--- a/Dokumentation/erstellte_Abbildungen.pptx
+++ b/Dokumentation/erstellte_Abbildungen.pptx
@@ -6,6 +6,7 @@
   </p:sldMasterIdLst>
   <p:sldIdLst>
     <p:sldId id="257" r:id="rId2"/>
+    <p:sldId id="258" r:id="rId3"/>
   </p:sldIdLst>
   <p:sldSz cx="12192000" cy="6858000"/>
   <p:notesSz cx="6858000" cy="9144000"/>
@@ -104,6 +105,11 @@
       </a:defRPr>
     </a:lvl9pPr>
   </p:defaultTextStyle>
+  <p:extLst>
+    <p:ext uri="{EFAFB233-063F-42B5-8137-9DF3F51BA10A}">
+      <p15:sldGuideLst xmlns:p15="http://schemas.microsoft.com/office/powerpoint/2012/main"/>
+    </p:ext>
+  </p:extLst>
 </p:presentation>
 </file>
 
@@ -256,7 +262,7 @@
           <a:p>
             <a:fld id="{E6A5644B-59F2-4915-A4B7-5F3DB0AE8767}" type="datetimeFigureOut">
               <a:rPr lang="de-DE" smtClean="0"/>
-              <a:t>07.02.2022</a:t>
+              <a:t>23.05.2022</a:t>
             </a:fld>
             <a:endParaRPr lang="de-DE"/>
           </a:p>
@@ -456,7 +462,7 @@
           <a:p>
             <a:fld id="{E6A5644B-59F2-4915-A4B7-5F3DB0AE8767}" type="datetimeFigureOut">
               <a:rPr lang="de-DE" smtClean="0"/>
-              <a:t>07.02.2022</a:t>
+              <a:t>23.05.2022</a:t>
             </a:fld>
             <a:endParaRPr lang="de-DE"/>
           </a:p>
@@ -666,7 +672,7 @@
           <a:p>
             <a:fld id="{E6A5644B-59F2-4915-A4B7-5F3DB0AE8767}" type="datetimeFigureOut">
               <a:rPr lang="de-DE" smtClean="0"/>
-              <a:t>07.02.2022</a:t>
+              <a:t>23.05.2022</a:t>
             </a:fld>
             <a:endParaRPr lang="de-DE"/>
           </a:p>
@@ -866,7 +872,7 @@
           <a:p>
             <a:fld id="{E6A5644B-59F2-4915-A4B7-5F3DB0AE8767}" type="datetimeFigureOut">
               <a:rPr lang="de-DE" smtClean="0"/>
-              <a:t>07.02.2022</a:t>
+              <a:t>23.05.2022</a:t>
             </a:fld>
             <a:endParaRPr lang="de-DE"/>
           </a:p>
@@ -1142,7 +1148,7 @@
           <a:p>
             <a:fld id="{E6A5644B-59F2-4915-A4B7-5F3DB0AE8767}" type="datetimeFigureOut">
               <a:rPr lang="de-DE" smtClean="0"/>
-              <a:t>07.02.2022</a:t>
+              <a:t>23.05.2022</a:t>
             </a:fld>
             <a:endParaRPr lang="de-DE"/>
           </a:p>
@@ -1410,7 +1416,7 @@
           <a:p>
             <a:fld id="{E6A5644B-59F2-4915-A4B7-5F3DB0AE8767}" type="datetimeFigureOut">
               <a:rPr lang="de-DE" smtClean="0"/>
-              <a:t>07.02.2022</a:t>
+              <a:t>23.05.2022</a:t>
             </a:fld>
             <a:endParaRPr lang="de-DE"/>
           </a:p>
@@ -1825,7 +1831,7 @@
           <a:p>
             <a:fld id="{E6A5644B-59F2-4915-A4B7-5F3DB0AE8767}" type="datetimeFigureOut">
               <a:rPr lang="de-DE" smtClean="0"/>
-              <a:t>07.02.2022</a:t>
+              <a:t>23.05.2022</a:t>
             </a:fld>
             <a:endParaRPr lang="de-DE"/>
           </a:p>
@@ -1967,7 +1973,7 @@
           <a:p>
             <a:fld id="{E6A5644B-59F2-4915-A4B7-5F3DB0AE8767}" type="datetimeFigureOut">
               <a:rPr lang="de-DE" smtClean="0"/>
-              <a:t>07.02.2022</a:t>
+              <a:t>23.05.2022</a:t>
             </a:fld>
             <a:endParaRPr lang="de-DE"/>
           </a:p>
@@ -2080,7 +2086,7 @@
           <a:p>
             <a:fld id="{E6A5644B-59F2-4915-A4B7-5F3DB0AE8767}" type="datetimeFigureOut">
               <a:rPr lang="de-DE" smtClean="0"/>
-              <a:t>07.02.2022</a:t>
+              <a:t>23.05.2022</a:t>
             </a:fld>
             <a:endParaRPr lang="de-DE"/>
           </a:p>
@@ -2393,7 +2399,7 @@
           <a:p>
             <a:fld id="{E6A5644B-59F2-4915-A4B7-5F3DB0AE8767}" type="datetimeFigureOut">
               <a:rPr lang="de-DE" smtClean="0"/>
-              <a:t>07.02.2022</a:t>
+              <a:t>23.05.2022</a:t>
             </a:fld>
             <a:endParaRPr lang="de-DE"/>
           </a:p>
@@ -2682,7 +2688,7 @@
           <a:p>
             <a:fld id="{E6A5644B-59F2-4915-A4B7-5F3DB0AE8767}" type="datetimeFigureOut">
               <a:rPr lang="de-DE" smtClean="0"/>
-              <a:t>07.02.2022</a:t>
+              <a:t>23.05.2022</a:t>
             </a:fld>
             <a:endParaRPr lang="de-DE"/>
           </a:p>
@@ -2925,7 +2931,7 @@
           <a:p>
             <a:fld id="{E6A5644B-59F2-4915-A4B7-5F3DB0AE8767}" type="datetimeFigureOut">
               <a:rPr lang="de-DE" smtClean="0"/>
-              <a:t>07.02.2022</a:t>
+              <a:t>23.05.2022</a:t>
             </a:fld>
             <a:endParaRPr lang="de-DE"/>
           </a:p>
@@ -4470,6 +4476,523 @@
 </p:sld>
 </file>
 
+<file path=ppt/slides/slide2.xml><?xml version="1.0" encoding="utf-8"?>
+<p:sld xmlns:a="http://schemas.openxmlformats.org/drawingml/2006/main" xmlns:r="http://schemas.openxmlformats.org/officeDocument/2006/relationships" xmlns:p="http://schemas.openxmlformats.org/presentationml/2006/main">
+  <p:cSld>
+    <p:spTree>
+      <p:nvGrpSpPr>
+        <p:cNvPr id="1" name=""/>
+        <p:cNvGrpSpPr/>
+        <p:nvPr/>
+      </p:nvGrpSpPr>
+      <p:grpSpPr>
+        <a:xfrm>
+          <a:off x="0" y="0"/>
+          <a:ext cx="0" cy="0"/>
+          <a:chOff x="0" y="0"/>
+          <a:chExt cx="0" cy="0"/>
+        </a:xfrm>
+      </p:grpSpPr>
+      <p:sp>
+        <p:nvSpPr>
+          <p:cNvPr id="6" name="Oval 5">
+            <a:extLst>
+              <a:ext uri="{FF2B5EF4-FFF2-40B4-BE49-F238E27FC236}">
+                <a16:creationId xmlns:a16="http://schemas.microsoft.com/office/drawing/2014/main" id="{3BC77A55-EAAA-440E-A083-C1456B6227B5}"/>
+              </a:ext>
+            </a:extLst>
+          </p:cNvPr>
+          <p:cNvSpPr/>
+          <p:nvPr/>
+        </p:nvSpPr>
+        <p:spPr>
+          <a:xfrm>
+            <a:off x="4798244" y="2326641"/>
+            <a:ext cx="2903036" cy="2848674"/>
+          </a:xfrm>
+          <a:prstGeom prst="ellipse">
+            <a:avLst/>
+          </a:prstGeom>
+          <a:noFill/>
+        </p:spPr>
+        <p:style>
+          <a:lnRef idx="2">
+            <a:schemeClr val="accent1"/>
+          </a:lnRef>
+          <a:fillRef idx="1">
+            <a:schemeClr val="lt1"/>
+          </a:fillRef>
+          <a:effectRef idx="0">
+            <a:schemeClr val="accent1"/>
+          </a:effectRef>
+          <a:fontRef idx="minor">
+            <a:schemeClr val="dk1"/>
+          </a:fontRef>
+        </p:style>
+        <p:txBody>
+          <a:bodyPr rtlCol="0" anchor="ctr"/>
+          <a:lstStyle/>
+          <a:p>
+            <a:pPr algn="ctr"/>
+            <a:endParaRPr lang="de-DE"/>
+          </a:p>
+        </p:txBody>
+      </p:sp>
+      <p:cxnSp>
+        <p:nvCxnSpPr>
+          <p:cNvPr id="26" name="Straight Connector 25">
+            <a:extLst>
+              <a:ext uri="{FF2B5EF4-FFF2-40B4-BE49-F238E27FC236}">
+                <a16:creationId xmlns:a16="http://schemas.microsoft.com/office/drawing/2014/main" id="{5835B272-CB38-48BA-8B02-D2BE81F0C7B6}"/>
+              </a:ext>
+            </a:extLst>
+          </p:cNvPr>
+          <p:cNvCxnSpPr>
+            <a:cxnSpLocks/>
+          </p:cNvCxnSpPr>
+          <p:nvPr/>
+        </p:nvCxnSpPr>
+        <p:spPr>
+          <a:xfrm flipH="1">
+            <a:off x="4343400" y="3581400"/>
+            <a:ext cx="454842" cy="512763"/>
+          </a:xfrm>
+          <a:prstGeom prst="line">
+            <a:avLst/>
+          </a:prstGeom>
+          <a:ln w="12700">
+            <a:solidFill>
+              <a:schemeClr val="accent4">
+                <a:lumMod val="60000"/>
+                <a:lumOff val="40000"/>
+              </a:schemeClr>
+            </a:solidFill>
+          </a:ln>
+        </p:spPr>
+        <p:style>
+          <a:lnRef idx="1">
+            <a:schemeClr val="accent1"/>
+          </a:lnRef>
+          <a:fillRef idx="0">
+            <a:schemeClr val="accent1"/>
+          </a:fillRef>
+          <a:effectRef idx="0">
+            <a:schemeClr val="accent1"/>
+          </a:effectRef>
+          <a:fontRef idx="minor">
+            <a:schemeClr val="tx1"/>
+          </a:fontRef>
+        </p:style>
+      </p:cxnSp>
+      <p:sp>
+        <p:nvSpPr>
+          <p:cNvPr id="7" name="Oval 6">
+            <a:extLst>
+              <a:ext uri="{FF2B5EF4-FFF2-40B4-BE49-F238E27FC236}">
+                <a16:creationId xmlns:a16="http://schemas.microsoft.com/office/drawing/2014/main" id="{94AEE9A0-9B12-47F1-B93C-19B127A2384F}"/>
+              </a:ext>
+            </a:extLst>
+          </p:cNvPr>
+          <p:cNvSpPr/>
+          <p:nvPr/>
+        </p:nvSpPr>
+        <p:spPr>
+          <a:xfrm>
+            <a:off x="5924550" y="2539999"/>
+            <a:ext cx="1583690" cy="1479551"/>
+          </a:xfrm>
+          <a:prstGeom prst="ellipse">
+            <a:avLst/>
+          </a:prstGeom>
+          <a:noFill/>
+        </p:spPr>
+        <p:style>
+          <a:lnRef idx="2">
+            <a:schemeClr val="accent1"/>
+          </a:lnRef>
+          <a:fillRef idx="1">
+            <a:schemeClr val="lt1"/>
+          </a:fillRef>
+          <a:effectRef idx="0">
+            <a:schemeClr val="accent1"/>
+          </a:effectRef>
+          <a:fontRef idx="minor">
+            <a:schemeClr val="dk1"/>
+          </a:fontRef>
+        </p:style>
+        <p:txBody>
+          <a:bodyPr rtlCol="0" anchor="ctr"/>
+          <a:lstStyle/>
+          <a:p>
+            <a:pPr algn="ctr"/>
+            <a:endParaRPr lang="de-DE"/>
+          </a:p>
+        </p:txBody>
+      </p:sp>
+      <p:sp>
+        <p:nvSpPr>
+          <p:cNvPr id="5" name="Flowchart: Connector 4">
+            <a:extLst>
+              <a:ext uri="{FF2B5EF4-FFF2-40B4-BE49-F238E27FC236}">
+                <a16:creationId xmlns:a16="http://schemas.microsoft.com/office/drawing/2014/main" id="{7A7FA189-2324-4E31-872E-BA7BDFE4143B}"/>
+              </a:ext>
+            </a:extLst>
+          </p:cNvPr>
+          <p:cNvSpPr/>
+          <p:nvPr/>
+        </p:nvSpPr>
+        <p:spPr>
+          <a:xfrm>
+            <a:off x="5924550" y="2540001"/>
+            <a:ext cx="1583690" cy="1479550"/>
+          </a:xfrm>
+          <a:prstGeom prst="flowChartConnector">
+            <a:avLst/>
+          </a:prstGeom>
+          <a:noFill/>
+          <a:ln w="76200">
+            <a:prstDash val="dash"/>
+          </a:ln>
+        </p:spPr>
+        <p:style>
+          <a:lnRef idx="2">
+            <a:schemeClr val="dk1"/>
+          </a:lnRef>
+          <a:fillRef idx="1">
+            <a:schemeClr val="lt1"/>
+          </a:fillRef>
+          <a:effectRef idx="0">
+            <a:schemeClr val="dk1"/>
+          </a:effectRef>
+          <a:fontRef idx="minor">
+            <a:schemeClr val="dk1"/>
+          </a:fontRef>
+        </p:style>
+        <p:txBody>
+          <a:bodyPr rtlCol="0" anchor="ctr"/>
+          <a:lstStyle/>
+          <a:p>
+            <a:pPr algn="ctr"/>
+            <a:endParaRPr lang="de-DE"/>
+          </a:p>
+        </p:txBody>
+      </p:sp>
+      <p:sp>
+        <p:nvSpPr>
+          <p:cNvPr id="4" name="Flowchart: Connector 3">
+            <a:extLst>
+              <a:ext uri="{FF2B5EF4-FFF2-40B4-BE49-F238E27FC236}">
+                <a16:creationId xmlns:a16="http://schemas.microsoft.com/office/drawing/2014/main" id="{694CCEBC-6B8A-40E0-80FD-78C70FAEAF65}"/>
+              </a:ext>
+            </a:extLst>
+          </p:cNvPr>
+          <p:cNvSpPr/>
+          <p:nvPr/>
+        </p:nvSpPr>
+        <p:spPr>
+          <a:xfrm>
+            <a:off x="4798242" y="2326641"/>
+            <a:ext cx="2903035" cy="2848674"/>
+          </a:xfrm>
+          <a:prstGeom prst="flowChartConnector">
+            <a:avLst/>
+          </a:prstGeom>
+          <a:noFill/>
+          <a:ln w="76200">
+            <a:prstDash val="dash"/>
+          </a:ln>
+        </p:spPr>
+        <p:style>
+          <a:lnRef idx="2">
+            <a:schemeClr val="dk1"/>
+          </a:lnRef>
+          <a:fillRef idx="1">
+            <a:schemeClr val="lt1"/>
+          </a:fillRef>
+          <a:effectRef idx="0">
+            <a:schemeClr val="dk1"/>
+          </a:effectRef>
+          <a:fontRef idx="minor">
+            <a:schemeClr val="dk1"/>
+          </a:fontRef>
+        </p:style>
+        <p:txBody>
+          <a:bodyPr rtlCol="0" anchor="ctr"/>
+          <a:lstStyle/>
+          <a:p>
+            <a:pPr algn="ctr"/>
+            <a:endParaRPr lang="de-DE"/>
+          </a:p>
+        </p:txBody>
+      </p:sp>
+      <p:cxnSp>
+        <p:nvCxnSpPr>
+          <p:cNvPr id="13" name="Straight Connector 12">
+            <a:extLst>
+              <a:ext uri="{FF2B5EF4-FFF2-40B4-BE49-F238E27FC236}">
+                <a16:creationId xmlns:a16="http://schemas.microsoft.com/office/drawing/2014/main" id="{DD6C4BA9-E4DB-4A6C-9133-41022F7704F8}"/>
+              </a:ext>
+            </a:extLst>
+          </p:cNvPr>
+          <p:cNvCxnSpPr>
+            <a:cxnSpLocks/>
+            <a:endCxn id="5" idx="0"/>
+          </p:cNvCxnSpPr>
+          <p:nvPr/>
+        </p:nvCxnSpPr>
+        <p:spPr>
+          <a:xfrm flipH="1">
+            <a:off x="6716395" y="2499899"/>
+            <a:ext cx="1904226" cy="40102"/>
+          </a:xfrm>
+          <a:prstGeom prst="line">
+            <a:avLst/>
+          </a:prstGeom>
+        </p:spPr>
+        <p:style>
+          <a:lnRef idx="1">
+            <a:schemeClr val="accent1"/>
+          </a:lnRef>
+          <a:fillRef idx="0">
+            <a:schemeClr val="accent1"/>
+          </a:fillRef>
+          <a:effectRef idx="0">
+            <a:schemeClr val="accent1"/>
+          </a:effectRef>
+          <a:fontRef idx="minor">
+            <a:schemeClr val="tx1"/>
+          </a:fontRef>
+        </p:style>
+      </p:cxnSp>
+      <p:cxnSp>
+        <p:nvCxnSpPr>
+          <p:cNvPr id="9" name="Straight Connector 8">
+            <a:extLst>
+              <a:ext uri="{FF2B5EF4-FFF2-40B4-BE49-F238E27FC236}">
+                <a16:creationId xmlns:a16="http://schemas.microsoft.com/office/drawing/2014/main" id="{88AC4F0B-02F5-4614-AC78-A330F2444AA8}"/>
+              </a:ext>
+            </a:extLst>
+          </p:cNvPr>
+          <p:cNvCxnSpPr>
+            <a:cxnSpLocks/>
+          </p:cNvCxnSpPr>
+          <p:nvPr/>
+        </p:nvCxnSpPr>
+        <p:spPr>
+          <a:xfrm flipV="1">
+            <a:off x="6588896" y="2499900"/>
+            <a:ext cx="2031725" cy="64077"/>
+          </a:xfrm>
+          <a:prstGeom prst="line">
+            <a:avLst/>
+          </a:prstGeom>
+          <a:ln w="76200">
+            <a:solidFill>
+              <a:schemeClr val="tx1"/>
+            </a:solidFill>
+            <a:prstDash val="dash"/>
+          </a:ln>
+        </p:spPr>
+        <p:style>
+          <a:lnRef idx="1">
+            <a:schemeClr val="accent1"/>
+          </a:lnRef>
+          <a:fillRef idx="0">
+            <a:schemeClr val="accent1"/>
+          </a:fillRef>
+          <a:effectRef idx="0">
+            <a:schemeClr val="accent1"/>
+          </a:effectRef>
+          <a:fontRef idx="minor">
+            <a:schemeClr val="tx1"/>
+          </a:fontRef>
+        </p:style>
+      </p:cxnSp>
+      <p:sp>
+        <p:nvSpPr>
+          <p:cNvPr id="24" name="Rectangle 23">
+            <a:extLst>
+              <a:ext uri="{FF2B5EF4-FFF2-40B4-BE49-F238E27FC236}">
+                <a16:creationId xmlns:a16="http://schemas.microsoft.com/office/drawing/2014/main" id="{C086EA6E-977F-4FF1-A831-F615E89177C2}"/>
+              </a:ext>
+            </a:extLst>
+          </p:cNvPr>
+          <p:cNvSpPr/>
+          <p:nvPr/>
+        </p:nvSpPr>
+        <p:spPr>
+          <a:xfrm>
+            <a:off x="7452832" y="2436605"/>
+            <a:ext cx="165106" cy="166688"/>
+          </a:xfrm>
+          <a:prstGeom prst="rect">
+            <a:avLst/>
+          </a:prstGeom>
+        </p:spPr>
+        <p:style>
+          <a:lnRef idx="1">
+            <a:schemeClr val="accent2"/>
+          </a:lnRef>
+          <a:fillRef idx="2">
+            <a:schemeClr val="accent2"/>
+          </a:fillRef>
+          <a:effectRef idx="1">
+            <a:schemeClr val="accent2"/>
+          </a:effectRef>
+          <a:fontRef idx="minor">
+            <a:schemeClr val="dk1"/>
+          </a:fontRef>
+        </p:style>
+        <p:txBody>
+          <a:bodyPr rtlCol="0" anchor="ctr"/>
+          <a:lstStyle/>
+          <a:p>
+            <a:pPr algn="ctr"/>
+            <a:endParaRPr lang="de-DE"/>
+          </a:p>
+        </p:txBody>
+      </p:sp>
+      <p:sp>
+        <p:nvSpPr>
+          <p:cNvPr id="47" name="Rectangle 46">
+            <a:extLst>
+              <a:ext uri="{FF2B5EF4-FFF2-40B4-BE49-F238E27FC236}">
+                <a16:creationId xmlns:a16="http://schemas.microsoft.com/office/drawing/2014/main" id="{27967BDD-F789-47D7-819E-2420B864C701}"/>
+              </a:ext>
+            </a:extLst>
+          </p:cNvPr>
+          <p:cNvSpPr/>
+          <p:nvPr/>
+        </p:nvSpPr>
+        <p:spPr>
+          <a:xfrm>
+            <a:off x="4327523" y="3927572"/>
+            <a:ext cx="165106" cy="166688"/>
+          </a:xfrm>
+          <a:prstGeom prst="rect">
+            <a:avLst/>
+          </a:prstGeom>
+        </p:spPr>
+        <p:style>
+          <a:lnRef idx="1">
+            <a:schemeClr val="accent2"/>
+          </a:lnRef>
+          <a:fillRef idx="2">
+            <a:schemeClr val="accent2"/>
+          </a:fillRef>
+          <a:effectRef idx="1">
+            <a:schemeClr val="accent2"/>
+          </a:effectRef>
+          <a:fontRef idx="minor">
+            <a:schemeClr val="dk1"/>
+          </a:fontRef>
+        </p:style>
+        <p:txBody>
+          <a:bodyPr rtlCol="0" anchor="ctr"/>
+          <a:lstStyle/>
+          <a:p>
+            <a:pPr algn="ctr"/>
+            <a:endParaRPr lang="de-DE"/>
+          </a:p>
+        </p:txBody>
+      </p:sp>
+      <p:cxnSp>
+        <p:nvCxnSpPr>
+          <p:cNvPr id="28" name="Straight Connector 27">
+            <a:extLst>
+              <a:ext uri="{FF2B5EF4-FFF2-40B4-BE49-F238E27FC236}">
+                <a16:creationId xmlns:a16="http://schemas.microsoft.com/office/drawing/2014/main" id="{9780A170-0DD9-4EEB-9E57-14D386CEBC7E}"/>
+              </a:ext>
+            </a:extLst>
+          </p:cNvPr>
+          <p:cNvCxnSpPr>
+            <a:cxnSpLocks/>
+          </p:cNvCxnSpPr>
+          <p:nvPr/>
+        </p:nvCxnSpPr>
+        <p:spPr>
+          <a:xfrm flipH="1">
+            <a:off x="4260850" y="4019550"/>
+            <a:ext cx="149225" cy="161229"/>
+          </a:xfrm>
+          <a:prstGeom prst="line">
+            <a:avLst/>
+          </a:prstGeom>
+          <a:ln w="12700">
+            <a:solidFill>
+              <a:schemeClr val="accent4">
+                <a:lumMod val="60000"/>
+                <a:lumOff val="40000"/>
+              </a:schemeClr>
+            </a:solidFill>
+          </a:ln>
+        </p:spPr>
+        <p:style>
+          <a:lnRef idx="1">
+            <a:schemeClr val="accent1"/>
+          </a:lnRef>
+          <a:fillRef idx="0">
+            <a:schemeClr val="accent1"/>
+          </a:fillRef>
+          <a:effectRef idx="0">
+            <a:schemeClr val="accent1"/>
+          </a:effectRef>
+          <a:fontRef idx="minor">
+            <a:schemeClr val="tx1"/>
+          </a:fontRef>
+        </p:style>
+      </p:cxnSp>
+      <p:cxnSp>
+        <p:nvCxnSpPr>
+          <p:cNvPr id="45" name="Straight Connector 44">
+            <a:extLst>
+              <a:ext uri="{FF2B5EF4-FFF2-40B4-BE49-F238E27FC236}">
+                <a16:creationId xmlns:a16="http://schemas.microsoft.com/office/drawing/2014/main" id="{ADFD0834-2FD2-4170-98FE-D604138F889E}"/>
+              </a:ext>
+            </a:extLst>
+          </p:cNvPr>
+          <p:cNvCxnSpPr>
+            <a:cxnSpLocks/>
+          </p:cNvCxnSpPr>
+          <p:nvPr/>
+        </p:nvCxnSpPr>
+        <p:spPr>
+          <a:xfrm>
+            <a:off x="7526338" y="2519949"/>
+            <a:ext cx="120650" cy="1"/>
+          </a:xfrm>
+          <a:prstGeom prst="line">
+            <a:avLst/>
+          </a:prstGeom>
+        </p:spPr>
+        <p:style>
+          <a:lnRef idx="1">
+            <a:schemeClr val="accent1"/>
+          </a:lnRef>
+          <a:fillRef idx="0">
+            <a:schemeClr val="accent1"/>
+          </a:fillRef>
+          <a:effectRef idx="0">
+            <a:schemeClr val="accent1"/>
+          </a:effectRef>
+          <a:fontRef idx="minor">
+            <a:schemeClr val="tx1"/>
+          </a:fontRef>
+        </p:style>
+      </p:cxnSp>
+    </p:spTree>
+    <p:extLst>
+      <p:ext uri="{BB962C8B-B14F-4D97-AF65-F5344CB8AC3E}">
+        <p14:creationId xmlns:p14="http://schemas.microsoft.com/office/powerpoint/2010/main" val="3833941936"/>
+      </p:ext>
+    </p:extLst>
+  </p:cSld>
+  <p:clrMapOvr>
+    <a:masterClrMapping/>
+  </p:clrMapOvr>
+</p:sld>
+</file>
+
 <file path=ppt/theme/theme1.xml><?xml version="1.0" encoding="utf-8"?>
 <a:theme xmlns:a="http://schemas.openxmlformats.org/drawingml/2006/main" name="Office Theme">
   <a:themeElements>

--- a/Dokumentation/erstellte_Abbildungen.pptx
+++ b/Dokumentation/erstellte_Abbildungen.pptx
@@ -7,6 +7,7 @@
   <p:sldIdLst>
     <p:sldId id="257" r:id="rId2"/>
     <p:sldId id="258" r:id="rId3"/>
+    <p:sldId id="259" r:id="rId4"/>
   </p:sldIdLst>
   <p:sldSz cx="12192000" cy="6858000"/>
   <p:notesSz cx="6858000" cy="9144000"/>
@@ -262,7 +263,7 @@
           <a:p>
             <a:fld id="{E6A5644B-59F2-4915-A4B7-5F3DB0AE8767}" type="datetimeFigureOut">
               <a:rPr lang="de-DE" smtClean="0"/>
-              <a:t>23.05.2022</a:t>
+              <a:t>24.05.2022</a:t>
             </a:fld>
             <a:endParaRPr lang="de-DE"/>
           </a:p>
@@ -462,7 +463,7 @@
           <a:p>
             <a:fld id="{E6A5644B-59F2-4915-A4B7-5F3DB0AE8767}" type="datetimeFigureOut">
               <a:rPr lang="de-DE" smtClean="0"/>
-              <a:t>23.05.2022</a:t>
+              <a:t>24.05.2022</a:t>
             </a:fld>
             <a:endParaRPr lang="de-DE"/>
           </a:p>
@@ -672,7 +673,7 @@
           <a:p>
             <a:fld id="{E6A5644B-59F2-4915-A4B7-5F3DB0AE8767}" type="datetimeFigureOut">
               <a:rPr lang="de-DE" smtClean="0"/>
-              <a:t>23.05.2022</a:t>
+              <a:t>24.05.2022</a:t>
             </a:fld>
             <a:endParaRPr lang="de-DE"/>
           </a:p>
@@ -872,7 +873,7 @@
           <a:p>
             <a:fld id="{E6A5644B-59F2-4915-A4B7-5F3DB0AE8767}" type="datetimeFigureOut">
               <a:rPr lang="de-DE" smtClean="0"/>
-              <a:t>23.05.2022</a:t>
+              <a:t>24.05.2022</a:t>
             </a:fld>
             <a:endParaRPr lang="de-DE"/>
           </a:p>
@@ -1148,7 +1149,7 @@
           <a:p>
             <a:fld id="{E6A5644B-59F2-4915-A4B7-5F3DB0AE8767}" type="datetimeFigureOut">
               <a:rPr lang="de-DE" smtClean="0"/>
-              <a:t>23.05.2022</a:t>
+              <a:t>24.05.2022</a:t>
             </a:fld>
             <a:endParaRPr lang="de-DE"/>
           </a:p>
@@ -1416,7 +1417,7 @@
           <a:p>
             <a:fld id="{E6A5644B-59F2-4915-A4B7-5F3DB0AE8767}" type="datetimeFigureOut">
               <a:rPr lang="de-DE" smtClean="0"/>
-              <a:t>23.05.2022</a:t>
+              <a:t>24.05.2022</a:t>
             </a:fld>
             <a:endParaRPr lang="de-DE"/>
           </a:p>
@@ -1831,7 +1832,7 @@
           <a:p>
             <a:fld id="{E6A5644B-59F2-4915-A4B7-5F3DB0AE8767}" type="datetimeFigureOut">
               <a:rPr lang="de-DE" smtClean="0"/>
-              <a:t>23.05.2022</a:t>
+              <a:t>24.05.2022</a:t>
             </a:fld>
             <a:endParaRPr lang="de-DE"/>
           </a:p>
@@ -1973,7 +1974,7 @@
           <a:p>
             <a:fld id="{E6A5644B-59F2-4915-A4B7-5F3DB0AE8767}" type="datetimeFigureOut">
               <a:rPr lang="de-DE" smtClean="0"/>
-              <a:t>23.05.2022</a:t>
+              <a:t>24.05.2022</a:t>
             </a:fld>
             <a:endParaRPr lang="de-DE"/>
           </a:p>
@@ -2086,7 +2087,7 @@
           <a:p>
             <a:fld id="{E6A5644B-59F2-4915-A4B7-5F3DB0AE8767}" type="datetimeFigureOut">
               <a:rPr lang="de-DE" smtClean="0"/>
-              <a:t>23.05.2022</a:t>
+              <a:t>24.05.2022</a:t>
             </a:fld>
             <a:endParaRPr lang="de-DE"/>
           </a:p>
@@ -2399,7 +2400,7 @@
           <a:p>
             <a:fld id="{E6A5644B-59F2-4915-A4B7-5F3DB0AE8767}" type="datetimeFigureOut">
               <a:rPr lang="de-DE" smtClean="0"/>
-              <a:t>23.05.2022</a:t>
+              <a:t>24.05.2022</a:t>
             </a:fld>
             <a:endParaRPr lang="de-DE"/>
           </a:p>
@@ -2688,7 +2689,7 @@
           <a:p>
             <a:fld id="{E6A5644B-59F2-4915-A4B7-5F3DB0AE8767}" type="datetimeFigureOut">
               <a:rPr lang="de-DE" smtClean="0"/>
-              <a:t>23.05.2022</a:t>
+              <a:t>24.05.2022</a:t>
             </a:fld>
             <a:endParaRPr lang="de-DE"/>
           </a:p>
@@ -2931,7 +2932,7 @@
           <a:p>
             <a:fld id="{E6A5644B-59F2-4915-A4B7-5F3DB0AE8767}" type="datetimeFigureOut">
               <a:rPr lang="de-DE" smtClean="0"/>
-              <a:t>23.05.2022</a:t>
+              <a:t>24.05.2022</a:t>
             </a:fld>
             <a:endParaRPr lang="de-DE"/>
           </a:p>
@@ -4442,7 +4443,7 @@
         </p:nvSpPr>
         <p:spPr>
           <a:xfrm>
-            <a:off x="7983351" y="3849198"/>
+            <a:off x="8232189" y="3831192"/>
             <a:ext cx="1605280" cy="369332"/>
           </a:xfrm>
           <a:prstGeom prst="rect">
@@ -4458,7 +4459,7 @@
           <a:p>
             <a:r>
               <a:rPr lang="de-DE" dirty="0"/>
-              <a:t>EPICS Server</a:t>
+              <a:t>EPICS</a:t>
             </a:r>
           </a:p>
         </p:txBody>
@@ -4984,6 +4985,36 @@
     <p:extLst>
       <p:ext uri="{BB962C8B-B14F-4D97-AF65-F5344CB8AC3E}">
         <p14:creationId xmlns:p14="http://schemas.microsoft.com/office/powerpoint/2010/main" val="3833941936"/>
+      </p:ext>
+    </p:extLst>
+  </p:cSld>
+  <p:clrMapOvr>
+    <a:masterClrMapping/>
+  </p:clrMapOvr>
+</p:sld>
+</file>
+
+<file path=ppt/slides/slide3.xml><?xml version="1.0" encoding="utf-8"?>
+<p:sld xmlns:a="http://schemas.openxmlformats.org/drawingml/2006/main" xmlns:r="http://schemas.openxmlformats.org/officeDocument/2006/relationships" xmlns:p="http://schemas.openxmlformats.org/presentationml/2006/main">
+  <p:cSld>
+    <p:spTree>
+      <p:nvGrpSpPr>
+        <p:cNvPr id="1" name=""/>
+        <p:cNvGrpSpPr/>
+        <p:nvPr/>
+      </p:nvGrpSpPr>
+      <p:grpSpPr>
+        <a:xfrm>
+          <a:off x="0" y="0"/>
+          <a:ext cx="0" cy="0"/>
+          <a:chOff x="0" y="0"/>
+          <a:chExt cx="0" cy="0"/>
+        </a:xfrm>
+      </p:grpSpPr>
+    </p:spTree>
+    <p:extLst>
+      <p:ext uri="{BB962C8B-B14F-4D97-AF65-F5344CB8AC3E}">
+        <p14:creationId xmlns:p14="http://schemas.microsoft.com/office/powerpoint/2010/main" val="2609120200"/>
       </p:ext>
     </p:extLst>
   </p:cSld>

--- a/Dokumentation/erstellte_Abbildungen.pptx
+++ b/Dokumentation/erstellte_Abbildungen.pptx
@@ -8,6 +8,8 @@
     <p:sldId id="257" r:id="rId2"/>
     <p:sldId id="258" r:id="rId3"/>
     <p:sldId id="259" r:id="rId4"/>
+    <p:sldId id="260" r:id="rId5"/>
+    <p:sldId id="261" r:id="rId6"/>
   </p:sldIdLst>
   <p:sldSz cx="12192000" cy="6858000"/>
   <p:notesSz cx="6858000" cy="9144000"/>
@@ -263,7 +265,7 @@
           <a:p>
             <a:fld id="{E6A5644B-59F2-4915-A4B7-5F3DB0AE8767}" type="datetimeFigureOut">
               <a:rPr lang="de-DE" smtClean="0"/>
-              <a:t>16.06.2022</a:t>
+              <a:t>26.07.2022</a:t>
             </a:fld>
             <a:endParaRPr lang="de-DE"/>
           </a:p>
@@ -463,7 +465,7 @@
           <a:p>
             <a:fld id="{E6A5644B-59F2-4915-A4B7-5F3DB0AE8767}" type="datetimeFigureOut">
               <a:rPr lang="de-DE" smtClean="0"/>
-              <a:t>16.06.2022</a:t>
+              <a:t>26.07.2022</a:t>
             </a:fld>
             <a:endParaRPr lang="de-DE"/>
           </a:p>
@@ -673,7 +675,7 @@
           <a:p>
             <a:fld id="{E6A5644B-59F2-4915-A4B7-5F3DB0AE8767}" type="datetimeFigureOut">
               <a:rPr lang="de-DE" smtClean="0"/>
-              <a:t>16.06.2022</a:t>
+              <a:t>26.07.2022</a:t>
             </a:fld>
             <a:endParaRPr lang="de-DE"/>
           </a:p>
@@ -873,7 +875,7 @@
           <a:p>
             <a:fld id="{E6A5644B-59F2-4915-A4B7-5F3DB0AE8767}" type="datetimeFigureOut">
               <a:rPr lang="de-DE" smtClean="0"/>
-              <a:t>16.06.2022</a:t>
+              <a:t>26.07.2022</a:t>
             </a:fld>
             <a:endParaRPr lang="de-DE"/>
           </a:p>
@@ -1149,7 +1151,7 @@
           <a:p>
             <a:fld id="{E6A5644B-59F2-4915-A4B7-5F3DB0AE8767}" type="datetimeFigureOut">
               <a:rPr lang="de-DE" smtClean="0"/>
-              <a:t>16.06.2022</a:t>
+              <a:t>26.07.2022</a:t>
             </a:fld>
             <a:endParaRPr lang="de-DE"/>
           </a:p>
@@ -1417,7 +1419,7 @@
           <a:p>
             <a:fld id="{E6A5644B-59F2-4915-A4B7-5F3DB0AE8767}" type="datetimeFigureOut">
               <a:rPr lang="de-DE" smtClean="0"/>
-              <a:t>16.06.2022</a:t>
+              <a:t>26.07.2022</a:t>
             </a:fld>
             <a:endParaRPr lang="de-DE"/>
           </a:p>
@@ -1832,7 +1834,7 @@
           <a:p>
             <a:fld id="{E6A5644B-59F2-4915-A4B7-5F3DB0AE8767}" type="datetimeFigureOut">
               <a:rPr lang="de-DE" smtClean="0"/>
-              <a:t>16.06.2022</a:t>
+              <a:t>26.07.2022</a:t>
             </a:fld>
             <a:endParaRPr lang="de-DE"/>
           </a:p>
@@ -1974,7 +1976,7 @@
           <a:p>
             <a:fld id="{E6A5644B-59F2-4915-A4B7-5F3DB0AE8767}" type="datetimeFigureOut">
               <a:rPr lang="de-DE" smtClean="0"/>
-              <a:t>16.06.2022</a:t>
+              <a:t>26.07.2022</a:t>
             </a:fld>
             <a:endParaRPr lang="de-DE"/>
           </a:p>
@@ -2087,7 +2089,7 @@
           <a:p>
             <a:fld id="{E6A5644B-59F2-4915-A4B7-5F3DB0AE8767}" type="datetimeFigureOut">
               <a:rPr lang="de-DE" smtClean="0"/>
-              <a:t>16.06.2022</a:t>
+              <a:t>26.07.2022</a:t>
             </a:fld>
             <a:endParaRPr lang="de-DE"/>
           </a:p>
@@ -2400,7 +2402,7 @@
           <a:p>
             <a:fld id="{E6A5644B-59F2-4915-A4B7-5F3DB0AE8767}" type="datetimeFigureOut">
               <a:rPr lang="de-DE" smtClean="0"/>
-              <a:t>16.06.2022</a:t>
+              <a:t>26.07.2022</a:t>
             </a:fld>
             <a:endParaRPr lang="de-DE"/>
           </a:p>
@@ -2689,7 +2691,7 @@
           <a:p>
             <a:fld id="{E6A5644B-59F2-4915-A4B7-5F3DB0AE8767}" type="datetimeFigureOut">
               <a:rPr lang="de-DE" smtClean="0"/>
-              <a:t>16.06.2022</a:t>
+              <a:t>26.07.2022</a:t>
             </a:fld>
             <a:endParaRPr lang="de-DE"/>
           </a:p>
@@ -2932,7 +2934,7 @@
           <a:p>
             <a:fld id="{E6A5644B-59F2-4915-A4B7-5F3DB0AE8767}" type="datetimeFigureOut">
               <a:rPr lang="de-DE" smtClean="0"/>
-              <a:t>16.06.2022</a:t>
+              <a:t>26.07.2022</a:t>
             </a:fld>
             <a:endParaRPr lang="de-DE"/>
           </a:p>
@@ -5025,8 +5027,8 @@
         </p:nvSpPr>
         <p:spPr>
           <a:xfrm>
-            <a:off x="1470582" y="725863"/>
-            <a:ext cx="9087439" cy="4713402"/>
+            <a:off x="3431357" y="1894788"/>
+            <a:ext cx="3403076" cy="2469822"/>
           </a:xfrm>
           <a:prstGeom prst="rect">
             <a:avLst/>
@@ -5054,8 +5056,8 @@
           <a:p>
             <a:pPr algn="r"/>
             <a:r>
-              <a:rPr lang="de-DE" dirty="0"/>
-              <a:t>Image</a:t>
+              <a:rPr lang="en-GB" dirty="0"/>
+              <a:t>image</a:t>
             </a:r>
           </a:p>
         </p:txBody>
@@ -5074,8 +5076,8 @@
         </p:nvSpPr>
         <p:spPr>
           <a:xfrm>
-            <a:off x="1633979" y="1581593"/>
-            <a:ext cx="3016996" cy="3448783"/>
+            <a:off x="3811571" y="2432115"/>
+            <a:ext cx="2787192" cy="1753386"/>
           </a:xfrm>
           <a:prstGeom prst="rect">
             <a:avLst/>
@@ -5103,8 +5105,8 @@
           <a:p>
             <a:pPr algn="r"/>
             <a:r>
-              <a:rPr lang="de-DE" dirty="0"/>
-              <a:t>ROI</a:t>
+              <a:rPr lang="en-GB" dirty="0"/>
+              <a:t>roi</a:t>
             </a:r>
           </a:p>
         </p:txBody>
@@ -5123,10 +5125,10 @@
         </p:nvGrpSpPr>
         <p:grpSpPr>
           <a:xfrm>
-            <a:off x="1470582" y="2258788"/>
-            <a:ext cx="2494776" cy="2101466"/>
-            <a:chOff x="2698420" y="2283105"/>
-            <a:chExt cx="1725106" cy="1352584"/>
+            <a:off x="4248346" y="2731006"/>
+            <a:ext cx="1913642" cy="1155603"/>
+            <a:chOff x="4497738" y="2057391"/>
+            <a:chExt cx="1725106" cy="1348033"/>
           </a:xfrm>
         </p:grpSpPr>
         <p:sp>
@@ -5143,7 +5145,7 @@
           </p:nvSpPr>
           <p:spPr>
             <a:xfrm>
-              <a:off x="2698420" y="2283105"/>
+              <a:off x="4497738" y="2057391"/>
               <a:ext cx="1725106" cy="1348033"/>
             </a:xfrm>
             <a:prstGeom prst="rect">
@@ -5175,132 +5177,435 @@
                     <a:schemeClr val="bg1"/>
                   </a:solidFill>
                 </a:rPr>
-                <a:t>Fit-Data</a:t>
+                <a:t>fit </a:t>
+              </a:r>
+              <a:r>
+                <a:rPr lang="en-GB" dirty="0">
+                  <a:solidFill>
+                    <a:schemeClr val="bg1"/>
+                  </a:solidFill>
+                </a:rPr>
+                <a:t>area</a:t>
               </a:r>
             </a:p>
           </p:txBody>
         </p:sp>
-        <p:grpSp>
-          <p:nvGrpSpPr>
-            <p:cNvPr id="7" name="Group 6">
+        <p:sp>
+          <p:nvSpPr>
+            <p:cNvPr id="5" name="Oval 4">
               <a:extLst>
                 <a:ext uri="{FF2B5EF4-FFF2-40B4-BE49-F238E27FC236}">
-                  <a16:creationId xmlns:a16="http://schemas.microsoft.com/office/drawing/2014/main" id="{F97A1AA1-B7FD-45FE-9303-ECF92DB6C339}"/>
+                  <a16:creationId xmlns:a16="http://schemas.microsoft.com/office/drawing/2014/main" id="{A7B09B67-3AD8-4F67-BD7F-B37B00DE6F83}"/>
                 </a:ext>
               </a:extLst>
             </p:cNvPr>
-            <p:cNvGrpSpPr/>
+            <p:cNvSpPr/>
             <p:nvPr/>
-          </p:nvGrpSpPr>
-          <p:grpSpPr>
+          </p:nvSpPr>
+          <p:spPr>
             <a:xfrm>
-              <a:off x="2924665" y="2655465"/>
-              <a:ext cx="1253765" cy="980224"/>
-              <a:chOff x="3379509" y="2789797"/>
-              <a:chExt cx="1253765" cy="980224"/>
+              <a:off x="4833658" y="2439020"/>
+              <a:ext cx="1053264" cy="713914"/>
             </a:xfrm>
-          </p:grpSpPr>
-          <p:sp>
-            <p:nvSpPr>
-              <p:cNvPr id="4" name="Rectangle 3">
-                <a:extLst>
-                  <a:ext uri="{FF2B5EF4-FFF2-40B4-BE49-F238E27FC236}">
-                    <a16:creationId xmlns:a16="http://schemas.microsoft.com/office/drawing/2014/main" id="{585FEA55-7EEF-42C2-AD91-17E5CC92A650}"/>
-                  </a:ext>
-                </a:extLst>
-              </p:cNvPr>
-              <p:cNvSpPr/>
-              <p:nvPr/>
-            </p:nvSpPr>
-            <p:spPr>
-              <a:xfrm>
-                <a:off x="3384222" y="2789797"/>
-                <a:ext cx="1244339" cy="975673"/>
-              </a:xfrm>
-              <a:prstGeom prst="rect">
-                <a:avLst/>
-              </a:prstGeom>
-            </p:spPr>
-            <p:style>
-              <a:lnRef idx="2">
-                <a:schemeClr val="accent1">
-                  <a:shade val="50000"/>
-                </a:schemeClr>
-              </a:lnRef>
-              <a:fillRef idx="1">
-                <a:schemeClr val="accent1"/>
-              </a:fillRef>
-              <a:effectRef idx="0">
-                <a:schemeClr val="accent1"/>
-              </a:effectRef>
-              <a:fontRef idx="minor">
-                <a:schemeClr val="lt1"/>
-              </a:fontRef>
-            </p:style>
-            <p:txBody>
-              <a:bodyPr rtlCol="0" anchor="ctr"/>
-              <a:lstStyle/>
-              <a:p>
-                <a:pPr algn="ctr"/>
-                <a:endParaRPr lang="de-DE"/>
-              </a:p>
-            </p:txBody>
-          </p:sp>
-          <p:sp>
-            <p:nvSpPr>
-              <p:cNvPr id="5" name="Oval 4">
-                <a:extLst>
-                  <a:ext uri="{FF2B5EF4-FFF2-40B4-BE49-F238E27FC236}">
-                    <a16:creationId xmlns:a16="http://schemas.microsoft.com/office/drawing/2014/main" id="{A7B09B67-3AD8-4F67-BD7F-B37B00DE6F83}"/>
-                  </a:ext>
-                </a:extLst>
-              </p:cNvPr>
-              <p:cNvSpPr/>
-              <p:nvPr/>
-            </p:nvSpPr>
-            <p:spPr>
-              <a:xfrm>
-                <a:off x="3379509" y="2794348"/>
-                <a:ext cx="1253765" cy="975673"/>
-              </a:xfrm>
-              <a:prstGeom prst="ellipse">
-                <a:avLst/>
-              </a:prstGeom>
-            </p:spPr>
-            <p:style>
-              <a:lnRef idx="2">
-                <a:schemeClr val="dk1">
-                  <a:shade val="50000"/>
-                </a:schemeClr>
-              </a:lnRef>
-              <a:fillRef idx="1">
-                <a:schemeClr val="dk1"/>
-              </a:fillRef>
-              <a:effectRef idx="0">
-                <a:schemeClr val="dk1"/>
-              </a:effectRef>
-              <a:fontRef idx="minor">
-                <a:schemeClr val="lt1"/>
-              </a:fontRef>
-            </p:style>
-            <p:txBody>
-              <a:bodyPr rtlCol="0" anchor="ctr"/>
-              <a:lstStyle/>
-              <a:p>
-                <a:pPr algn="ctr"/>
-                <a:r>
-                  <a:rPr lang="de-DE" dirty="0"/>
-                  <a:t>Objekt</a:t>
-                </a:r>
-              </a:p>
-            </p:txBody>
-          </p:sp>
-        </p:grpSp>
+            <a:prstGeom prst="ellipse">
+              <a:avLst/>
+            </a:prstGeom>
+          </p:spPr>
+          <p:style>
+            <a:lnRef idx="2">
+              <a:schemeClr val="accent3"/>
+            </a:lnRef>
+            <a:fillRef idx="1">
+              <a:schemeClr val="lt1"/>
+            </a:fillRef>
+            <a:effectRef idx="0">
+              <a:schemeClr val="accent3"/>
+            </a:effectRef>
+            <a:fontRef idx="minor">
+              <a:schemeClr val="dk1"/>
+            </a:fontRef>
+          </p:style>
+          <p:txBody>
+            <a:bodyPr rtlCol="0" anchor="ctr"/>
+            <a:lstStyle/>
+            <a:p>
+              <a:pPr algn="ctr"/>
+              <a:endParaRPr lang="de-DE" dirty="0"/>
+            </a:p>
+          </p:txBody>
+        </p:sp>
       </p:grpSp>
     </p:spTree>
     <p:extLst>
       <p:ext uri="{BB962C8B-B14F-4D97-AF65-F5344CB8AC3E}">
         <p14:creationId xmlns:p14="http://schemas.microsoft.com/office/powerpoint/2010/main" val="2609120200"/>
+      </p:ext>
+    </p:extLst>
+  </p:cSld>
+  <p:clrMapOvr>
+    <a:masterClrMapping/>
+  </p:clrMapOvr>
+</p:sld>
+</file>
+
+<file path=ppt/slides/slide4.xml><?xml version="1.0" encoding="utf-8"?>
+<p:sld xmlns:a="http://schemas.openxmlformats.org/drawingml/2006/main" xmlns:r="http://schemas.openxmlformats.org/officeDocument/2006/relationships" xmlns:p="http://schemas.openxmlformats.org/presentationml/2006/main">
+  <p:cSld>
+    <p:spTree>
+      <p:nvGrpSpPr>
+        <p:cNvPr id="1" name=""/>
+        <p:cNvGrpSpPr/>
+        <p:nvPr/>
+      </p:nvGrpSpPr>
+      <p:grpSpPr>
+        <a:xfrm>
+          <a:off x="0" y="0"/>
+          <a:ext cx="0" cy="0"/>
+          <a:chOff x="0" y="0"/>
+          <a:chExt cx="0" cy="0"/>
+        </a:xfrm>
+      </p:grpSpPr>
+      <p:sp>
+        <p:nvSpPr>
+          <p:cNvPr id="4" name="Rectangle 3">
+            <a:extLst>
+              <a:ext uri="{FF2B5EF4-FFF2-40B4-BE49-F238E27FC236}">
+                <a16:creationId xmlns:a16="http://schemas.microsoft.com/office/drawing/2014/main" id="{FE903C39-7EE0-4F23-BF01-56DE9AD26C78}"/>
+              </a:ext>
+            </a:extLst>
+          </p:cNvPr>
+          <p:cNvSpPr/>
+          <p:nvPr/>
+        </p:nvSpPr>
+        <p:spPr>
+          <a:xfrm>
+            <a:off x="3654458" y="4911821"/>
+            <a:ext cx="2441542" cy="631596"/>
+          </a:xfrm>
+          <a:prstGeom prst="rect">
+            <a:avLst/>
+          </a:prstGeom>
+        </p:spPr>
+        <p:style>
+          <a:lnRef idx="2">
+            <a:schemeClr val="dk1"/>
+          </a:lnRef>
+          <a:fillRef idx="1">
+            <a:schemeClr val="lt1"/>
+          </a:fillRef>
+          <a:effectRef idx="0">
+            <a:schemeClr val="dk1"/>
+          </a:effectRef>
+          <a:fontRef idx="minor">
+            <a:schemeClr val="dk1"/>
+          </a:fontRef>
+        </p:style>
+        <p:txBody>
+          <a:bodyPr rtlCol="0" anchor="ctr"/>
+          <a:lstStyle/>
+          <a:p>
+            <a:pPr algn="ctr"/>
+            <a:r>
+              <a:rPr lang="de-DE" dirty="0"/>
+              <a:t>Fitalgorithmus</a:t>
+            </a:r>
+          </a:p>
+        </p:txBody>
+      </p:sp>
+      <p:pic>
+        <p:nvPicPr>
+          <p:cNvPr id="5" name="Picture 11">
+            <a:extLst>
+              <a:ext uri="{FF2B5EF4-FFF2-40B4-BE49-F238E27FC236}">
+                <a16:creationId xmlns:a16="http://schemas.microsoft.com/office/drawing/2014/main" id="{367E364A-0EB9-42B9-9BCC-3BB91B62C295}"/>
+              </a:ext>
+            </a:extLst>
+          </p:cNvPr>
+          <p:cNvPicPr>
+            <a:picLocks noChangeAspect="1" noChangeArrowheads="1"/>
+          </p:cNvPicPr>
+          <p:nvPr/>
+        </p:nvPicPr>
+        <p:blipFill>
+          <a:blip r:embed="rId2">
+            <a:extLst>
+              <a:ext uri="{28A0092B-C50C-407E-A947-70E740481C1C}">
+                <a14:useLocalDpi xmlns:a14="http://schemas.microsoft.com/office/drawing/2010/main" val="0"/>
+              </a:ext>
+            </a:extLst>
+          </a:blip>
+          <a:srcRect l="9268" t="8914" r="28577" b="21239"/>
+          <a:stretch>
+            <a:fillRect/>
+          </a:stretch>
+        </p:blipFill>
+        <p:spPr bwMode="auto">
+          <a:xfrm>
+            <a:off x="2113360" y="941963"/>
+            <a:ext cx="1052578" cy="882650"/>
+          </a:xfrm>
+          <a:prstGeom prst="rect">
+            <a:avLst/>
+          </a:prstGeom>
+          <a:noFill/>
+          <a:ln>
+            <a:noFill/>
+          </a:ln>
+          <a:extLst>
+            <a:ext uri="{909E8E84-426E-40DD-AFC4-6F175D3DCCD1}">
+              <a14:hiddenFill xmlns:a14="http://schemas.microsoft.com/office/drawing/2010/main">
+                <a:solidFill>
+                  <a:srgbClr val="FFFFFF"/>
+                </a:solidFill>
+              </a14:hiddenFill>
+            </a:ext>
+            <a:ext uri="{91240B29-F687-4F45-9708-019B960494DF}">
+              <a14:hiddenLine xmlns:a14="http://schemas.microsoft.com/office/drawing/2010/main" w="9525">
+                <a:solidFill>
+                  <a:srgbClr val="000000"/>
+                </a:solidFill>
+                <a:miter lim="800000"/>
+                <a:headEnd/>
+                <a:tailEnd/>
+              </a14:hiddenLine>
+            </a:ext>
+          </a:extLst>
+        </p:spPr>
+      </p:pic>
+      <p:pic>
+        <p:nvPicPr>
+          <p:cNvPr id="8" name="Picture 7">
+            <a:extLst>
+              <a:ext uri="{FF2B5EF4-FFF2-40B4-BE49-F238E27FC236}">
+                <a16:creationId xmlns:a16="http://schemas.microsoft.com/office/drawing/2014/main" id="{6FFB4B8A-FAF8-475F-AF4D-1EAA139EC5D3}"/>
+              </a:ext>
+            </a:extLst>
+          </p:cNvPr>
+          <p:cNvPicPr>
+            <a:picLocks noChangeAspect="1"/>
+          </p:cNvPicPr>
+          <p:nvPr/>
+        </p:nvPicPr>
+        <p:blipFill>
+          <a:blip r:embed="rId3"/>
+          <a:stretch>
+            <a:fillRect/>
+          </a:stretch>
+        </p:blipFill>
+        <p:spPr>
+          <a:xfrm>
+            <a:off x="5099170" y="2113155"/>
+            <a:ext cx="3182906" cy="1957487"/>
+          </a:xfrm>
+          <a:prstGeom prst="rect">
+            <a:avLst/>
+          </a:prstGeom>
+        </p:spPr>
+      </p:pic>
+      <p:pic>
+        <p:nvPicPr>
+          <p:cNvPr id="9" name="Picture 8">
+            <a:extLst>
+              <a:ext uri="{FF2B5EF4-FFF2-40B4-BE49-F238E27FC236}">
+                <a16:creationId xmlns:a16="http://schemas.microsoft.com/office/drawing/2014/main" id="{351BCAD8-DBA0-4D8A-A596-79DFFFDDB5BD}"/>
+              </a:ext>
+            </a:extLst>
+          </p:cNvPr>
+          <p:cNvPicPr>
+            <a:picLocks noChangeAspect="1"/>
+          </p:cNvPicPr>
+          <p:nvPr/>
+        </p:nvPicPr>
+        <p:blipFill>
+          <a:blip r:embed="rId4"/>
+          <a:stretch>
+            <a:fillRect/>
+          </a:stretch>
+        </p:blipFill>
+        <p:spPr>
+          <a:xfrm>
+            <a:off x="5652837" y="996072"/>
+            <a:ext cx="2075572" cy="623151"/>
+          </a:xfrm>
+          <a:prstGeom prst="rect">
+            <a:avLst/>
+          </a:prstGeom>
+        </p:spPr>
+      </p:pic>
+      <p:pic>
+        <p:nvPicPr>
+          <p:cNvPr id="12" name="Picture 11">
+            <a:extLst>
+              <a:ext uri="{FF2B5EF4-FFF2-40B4-BE49-F238E27FC236}">
+                <a16:creationId xmlns:a16="http://schemas.microsoft.com/office/drawing/2014/main" id="{CD2382D6-3C17-4F20-AF5E-F263C60B2EFB}"/>
+              </a:ext>
+            </a:extLst>
+          </p:cNvPr>
+          <p:cNvPicPr>
+            <a:picLocks noChangeAspect="1"/>
+          </p:cNvPicPr>
+          <p:nvPr/>
+        </p:nvPicPr>
+        <p:blipFill>
+          <a:blip r:embed="rId5"/>
+          <a:stretch>
+            <a:fillRect/>
+          </a:stretch>
+        </p:blipFill>
+        <p:spPr>
+          <a:xfrm>
+            <a:off x="1439502" y="2113155"/>
+            <a:ext cx="2811987" cy="1848896"/>
+          </a:xfrm>
+          <a:prstGeom prst="rect">
+            <a:avLst/>
+          </a:prstGeom>
+        </p:spPr>
+      </p:pic>
+    </p:spTree>
+    <p:extLst>
+      <p:ext uri="{BB962C8B-B14F-4D97-AF65-F5344CB8AC3E}">
+        <p14:creationId xmlns:p14="http://schemas.microsoft.com/office/powerpoint/2010/main" val="1158882896"/>
+      </p:ext>
+    </p:extLst>
+  </p:cSld>
+  <p:clrMapOvr>
+    <a:masterClrMapping/>
+  </p:clrMapOvr>
+</p:sld>
+</file>
+
+<file path=ppt/slides/slide5.xml><?xml version="1.0" encoding="utf-8"?>
+<p:sld xmlns:a="http://schemas.openxmlformats.org/drawingml/2006/main" xmlns:r="http://schemas.openxmlformats.org/officeDocument/2006/relationships" xmlns:p="http://schemas.openxmlformats.org/presentationml/2006/main">
+  <p:cSld>
+    <p:spTree>
+      <p:nvGrpSpPr>
+        <p:cNvPr id="1" name=""/>
+        <p:cNvGrpSpPr/>
+        <p:nvPr/>
+      </p:nvGrpSpPr>
+      <p:grpSpPr>
+        <a:xfrm>
+          <a:off x="0" y="0"/>
+          <a:ext cx="0" cy="0"/>
+          <a:chOff x="0" y="0"/>
+          <a:chExt cx="0" cy="0"/>
+        </a:xfrm>
+      </p:grpSpPr>
+      <p:sp>
+        <p:nvSpPr>
+          <p:cNvPr id="2" name="Title 1">
+            <a:extLst>
+              <a:ext uri="{FF2B5EF4-FFF2-40B4-BE49-F238E27FC236}">
+                <a16:creationId xmlns:a16="http://schemas.microsoft.com/office/drawing/2014/main" id="{5DF57260-74EC-4601-817C-86131FDF6C86}"/>
+              </a:ext>
+            </a:extLst>
+          </p:cNvPr>
+          <p:cNvSpPr>
+            <a:spLocks noGrp="1"/>
+          </p:cNvSpPr>
+          <p:nvPr>
+            <p:ph type="title"/>
+          </p:nvPr>
+        </p:nvSpPr>
+        <p:spPr/>
+        <p:txBody>
+          <a:bodyPr/>
+          <a:lstStyle/>
+          <a:p>
+            <a:endParaRPr lang="de-DE"/>
+          </a:p>
+        </p:txBody>
+      </p:sp>
+      <p:sp>
+        <p:nvSpPr>
+          <p:cNvPr id="3" name="Content Placeholder 2">
+            <a:extLst>
+              <a:ext uri="{FF2B5EF4-FFF2-40B4-BE49-F238E27FC236}">
+                <a16:creationId xmlns:a16="http://schemas.microsoft.com/office/drawing/2014/main" id="{60A8EC0D-FC03-4147-86B8-A9B30D50AD2C}"/>
+              </a:ext>
+            </a:extLst>
+          </p:cNvPr>
+          <p:cNvSpPr>
+            <a:spLocks noGrp="1"/>
+          </p:cNvSpPr>
+          <p:nvPr>
+            <p:ph idx="1"/>
+          </p:nvPr>
+        </p:nvSpPr>
+        <p:spPr/>
+        <p:txBody>
+          <a:bodyPr/>
+          <a:lstStyle/>
+          <a:p>
+            <a:endParaRPr lang="de-DE" dirty="0"/>
+          </a:p>
+        </p:txBody>
+      </p:sp>
+      <p:pic>
+        <p:nvPicPr>
+          <p:cNvPr id="4" name="Picture 3">
+            <a:extLst>
+              <a:ext uri="{FF2B5EF4-FFF2-40B4-BE49-F238E27FC236}">
+                <a16:creationId xmlns:a16="http://schemas.microsoft.com/office/drawing/2014/main" id="{666FFA7E-3289-44C3-A06F-C694C5F30531}"/>
+              </a:ext>
+            </a:extLst>
+          </p:cNvPr>
+          <p:cNvPicPr>
+            <a:picLocks noChangeAspect="1"/>
+          </p:cNvPicPr>
+          <p:nvPr/>
+        </p:nvPicPr>
+        <p:blipFill>
+          <a:blip r:embed="rId2"/>
+          <a:stretch>
+            <a:fillRect/>
+          </a:stretch>
+        </p:blipFill>
+        <p:spPr>
+          <a:xfrm>
+            <a:off x="6569694" y="1742732"/>
+            <a:ext cx="3057525" cy="2876550"/>
+          </a:xfrm>
+          <a:prstGeom prst="rect">
+            <a:avLst/>
+          </a:prstGeom>
+        </p:spPr>
+      </p:pic>
+      <p:pic>
+        <p:nvPicPr>
+          <p:cNvPr id="5" name="Picture 4">
+            <a:extLst>
+              <a:ext uri="{FF2B5EF4-FFF2-40B4-BE49-F238E27FC236}">
+                <a16:creationId xmlns:a16="http://schemas.microsoft.com/office/drawing/2014/main" id="{BE98F4A2-1991-4A69-8D16-E009D8331243}"/>
+              </a:ext>
+            </a:extLst>
+          </p:cNvPr>
+          <p:cNvPicPr>
+            <a:picLocks noChangeAspect="1"/>
+          </p:cNvPicPr>
+          <p:nvPr/>
+        </p:nvPicPr>
+        <p:blipFill>
+          <a:blip r:embed="rId3"/>
+          <a:stretch>
+            <a:fillRect/>
+          </a:stretch>
+        </p:blipFill>
+        <p:spPr>
+          <a:xfrm>
+            <a:off x="2372952" y="1549629"/>
+            <a:ext cx="3248025" cy="2847975"/>
+          </a:xfrm>
+          <a:prstGeom prst="rect">
+            <a:avLst/>
+          </a:prstGeom>
+        </p:spPr>
+      </p:pic>
+    </p:spTree>
+    <p:extLst>
+      <p:ext uri="{BB962C8B-B14F-4D97-AF65-F5344CB8AC3E}">
+        <p14:creationId xmlns:p14="http://schemas.microsoft.com/office/powerpoint/2010/main" val="3919358251"/>
       </p:ext>
     </p:extLst>
   </p:cSld>

--- a/Dokumentation/erstellte_Abbildungen.pptx
+++ b/Dokumentation/erstellte_Abbildungen.pptx
@@ -10,6 +10,8 @@
     <p:sldId id="259" r:id="rId4"/>
     <p:sldId id="260" r:id="rId5"/>
     <p:sldId id="261" r:id="rId6"/>
+    <p:sldId id="262" r:id="rId7"/>
+    <p:sldId id="263" r:id="rId8"/>
   </p:sldIdLst>
   <p:sldSz cx="12192000" cy="6858000"/>
   <p:notesSz cx="6858000" cy="9144000"/>
@@ -265,7 +267,7 @@
           <a:p>
             <a:fld id="{E6A5644B-59F2-4915-A4B7-5F3DB0AE8767}" type="datetimeFigureOut">
               <a:rPr lang="de-DE" smtClean="0"/>
-              <a:t>26.07.2022</a:t>
+              <a:t>02.08.2022</a:t>
             </a:fld>
             <a:endParaRPr lang="de-DE"/>
           </a:p>
@@ -465,7 +467,7 @@
           <a:p>
             <a:fld id="{E6A5644B-59F2-4915-A4B7-5F3DB0AE8767}" type="datetimeFigureOut">
               <a:rPr lang="de-DE" smtClean="0"/>
-              <a:t>26.07.2022</a:t>
+              <a:t>02.08.2022</a:t>
             </a:fld>
             <a:endParaRPr lang="de-DE"/>
           </a:p>
@@ -675,7 +677,7 @@
           <a:p>
             <a:fld id="{E6A5644B-59F2-4915-A4B7-5F3DB0AE8767}" type="datetimeFigureOut">
               <a:rPr lang="de-DE" smtClean="0"/>
-              <a:t>26.07.2022</a:t>
+              <a:t>02.08.2022</a:t>
             </a:fld>
             <a:endParaRPr lang="de-DE"/>
           </a:p>
@@ -875,7 +877,7 @@
           <a:p>
             <a:fld id="{E6A5644B-59F2-4915-A4B7-5F3DB0AE8767}" type="datetimeFigureOut">
               <a:rPr lang="de-DE" smtClean="0"/>
-              <a:t>26.07.2022</a:t>
+              <a:t>02.08.2022</a:t>
             </a:fld>
             <a:endParaRPr lang="de-DE"/>
           </a:p>
@@ -1151,7 +1153,7 @@
           <a:p>
             <a:fld id="{E6A5644B-59F2-4915-A4B7-5F3DB0AE8767}" type="datetimeFigureOut">
               <a:rPr lang="de-DE" smtClean="0"/>
-              <a:t>26.07.2022</a:t>
+              <a:t>02.08.2022</a:t>
             </a:fld>
             <a:endParaRPr lang="de-DE"/>
           </a:p>
@@ -1419,7 +1421,7 @@
           <a:p>
             <a:fld id="{E6A5644B-59F2-4915-A4B7-5F3DB0AE8767}" type="datetimeFigureOut">
               <a:rPr lang="de-DE" smtClean="0"/>
-              <a:t>26.07.2022</a:t>
+              <a:t>02.08.2022</a:t>
             </a:fld>
             <a:endParaRPr lang="de-DE"/>
           </a:p>
@@ -1834,7 +1836,7 @@
           <a:p>
             <a:fld id="{E6A5644B-59F2-4915-A4B7-5F3DB0AE8767}" type="datetimeFigureOut">
               <a:rPr lang="de-DE" smtClean="0"/>
-              <a:t>26.07.2022</a:t>
+              <a:t>02.08.2022</a:t>
             </a:fld>
             <a:endParaRPr lang="de-DE"/>
           </a:p>
@@ -1976,7 +1978,7 @@
           <a:p>
             <a:fld id="{E6A5644B-59F2-4915-A4B7-5F3DB0AE8767}" type="datetimeFigureOut">
               <a:rPr lang="de-DE" smtClean="0"/>
-              <a:t>26.07.2022</a:t>
+              <a:t>02.08.2022</a:t>
             </a:fld>
             <a:endParaRPr lang="de-DE"/>
           </a:p>
@@ -2089,7 +2091,7 @@
           <a:p>
             <a:fld id="{E6A5644B-59F2-4915-A4B7-5F3DB0AE8767}" type="datetimeFigureOut">
               <a:rPr lang="de-DE" smtClean="0"/>
-              <a:t>26.07.2022</a:t>
+              <a:t>02.08.2022</a:t>
             </a:fld>
             <a:endParaRPr lang="de-DE"/>
           </a:p>
@@ -2402,7 +2404,7 @@
           <a:p>
             <a:fld id="{E6A5644B-59F2-4915-A4B7-5F3DB0AE8767}" type="datetimeFigureOut">
               <a:rPr lang="de-DE" smtClean="0"/>
-              <a:t>26.07.2022</a:t>
+              <a:t>02.08.2022</a:t>
             </a:fld>
             <a:endParaRPr lang="de-DE"/>
           </a:p>
@@ -2691,7 +2693,7 @@
           <a:p>
             <a:fld id="{E6A5644B-59F2-4915-A4B7-5F3DB0AE8767}" type="datetimeFigureOut">
               <a:rPr lang="de-DE" smtClean="0"/>
-              <a:t>26.07.2022</a:t>
+              <a:t>02.08.2022</a:t>
             </a:fld>
             <a:endParaRPr lang="de-DE"/>
           </a:p>
@@ -2934,7 +2936,7 @@
           <a:p>
             <a:fld id="{E6A5644B-59F2-4915-A4B7-5F3DB0AE8767}" type="datetimeFigureOut">
               <a:rPr lang="de-DE" smtClean="0"/>
-              <a:t>26.07.2022</a:t>
+              <a:t>02.08.2022</a:t>
             </a:fld>
             <a:endParaRPr lang="de-DE"/>
           </a:p>
@@ -5615,6 +5617,770 @@
 </p:sld>
 </file>
 
+<file path=ppt/slides/slide6.xml><?xml version="1.0" encoding="utf-8"?>
+<p:sld xmlns:a="http://schemas.openxmlformats.org/drawingml/2006/main" xmlns:r="http://schemas.openxmlformats.org/officeDocument/2006/relationships" xmlns:p="http://schemas.openxmlformats.org/presentationml/2006/main">
+  <p:cSld>
+    <p:spTree>
+      <p:nvGrpSpPr>
+        <p:cNvPr id="1" name=""/>
+        <p:cNvGrpSpPr/>
+        <p:nvPr/>
+      </p:nvGrpSpPr>
+      <p:grpSpPr>
+        <a:xfrm>
+          <a:off x="0" y="0"/>
+          <a:ext cx="0" cy="0"/>
+          <a:chOff x="0" y="0"/>
+          <a:chExt cx="0" cy="0"/>
+        </a:xfrm>
+      </p:grpSpPr>
+      <p:sp>
+        <p:nvSpPr>
+          <p:cNvPr id="2" name="Title 1">
+            <a:extLst>
+              <a:ext uri="{FF2B5EF4-FFF2-40B4-BE49-F238E27FC236}">
+                <a16:creationId xmlns:a16="http://schemas.microsoft.com/office/drawing/2014/main" id="{423EBED5-8471-444F-A4CD-5B7841B15F4E}"/>
+              </a:ext>
+            </a:extLst>
+          </p:cNvPr>
+          <p:cNvSpPr>
+            <a:spLocks noGrp="1"/>
+          </p:cNvSpPr>
+          <p:nvPr>
+            <p:ph type="title"/>
+          </p:nvPr>
+        </p:nvSpPr>
+        <p:spPr/>
+        <p:txBody>
+          <a:bodyPr/>
+          <a:lstStyle/>
+          <a:p>
+            <a:endParaRPr lang="de-DE"/>
+          </a:p>
+        </p:txBody>
+      </p:sp>
+      <p:sp>
+        <p:nvSpPr>
+          <p:cNvPr id="4" name="Rectangle 3">
+            <a:extLst>
+              <a:ext uri="{FF2B5EF4-FFF2-40B4-BE49-F238E27FC236}">
+                <a16:creationId xmlns:a16="http://schemas.microsoft.com/office/drawing/2014/main" id="{C288DBC0-BD67-4FB8-BD56-078A2AC423C6}"/>
+              </a:ext>
+            </a:extLst>
+          </p:cNvPr>
+          <p:cNvSpPr/>
+          <p:nvPr/>
+        </p:nvSpPr>
+        <p:spPr>
+          <a:xfrm>
+            <a:off x="4733830" y="1900647"/>
+            <a:ext cx="1282046" cy="409694"/>
+          </a:xfrm>
+          <a:prstGeom prst="rect">
+            <a:avLst/>
+          </a:prstGeom>
+        </p:spPr>
+        <p:style>
+          <a:lnRef idx="2">
+            <a:schemeClr val="dk1"/>
+          </a:lnRef>
+          <a:fillRef idx="1">
+            <a:schemeClr val="lt1"/>
+          </a:fillRef>
+          <a:effectRef idx="0">
+            <a:schemeClr val="dk1"/>
+          </a:effectRef>
+          <a:fontRef idx="minor">
+            <a:schemeClr val="dk1"/>
+          </a:fontRef>
+        </p:style>
+        <p:txBody>
+          <a:bodyPr rtlCol="0" anchor="ctr"/>
+          <a:lstStyle/>
+          <a:p>
+            <a:pPr algn="ctr"/>
+            <a:r>
+              <a:rPr lang="de-DE" dirty="0"/>
+              <a:t>x/y-Werte</a:t>
+            </a:r>
+          </a:p>
+        </p:txBody>
+      </p:sp>
+      <p:sp>
+        <p:nvSpPr>
+          <p:cNvPr id="5" name="Rectangle 4">
+            <a:extLst>
+              <a:ext uri="{FF2B5EF4-FFF2-40B4-BE49-F238E27FC236}">
+                <a16:creationId xmlns:a16="http://schemas.microsoft.com/office/drawing/2014/main" id="{B948460C-CBCC-41CB-8194-4D1398437F57}"/>
+              </a:ext>
+            </a:extLst>
+          </p:cNvPr>
+          <p:cNvSpPr/>
+          <p:nvPr/>
+        </p:nvSpPr>
+        <p:spPr>
+          <a:xfrm>
+            <a:off x="4603419" y="2403835"/>
+            <a:ext cx="1555424" cy="940513"/>
+          </a:xfrm>
+          <a:prstGeom prst="rect">
+            <a:avLst/>
+          </a:prstGeom>
+        </p:spPr>
+        <p:style>
+          <a:lnRef idx="2">
+            <a:schemeClr val="dk1"/>
+          </a:lnRef>
+          <a:fillRef idx="1">
+            <a:schemeClr val="lt1"/>
+          </a:fillRef>
+          <a:effectRef idx="0">
+            <a:schemeClr val="dk1"/>
+          </a:effectRef>
+          <a:fontRef idx="minor">
+            <a:schemeClr val="dk1"/>
+          </a:fontRef>
+        </p:style>
+        <p:txBody>
+          <a:bodyPr rtlCol="0" anchor="ctr"/>
+          <a:lstStyle/>
+          <a:p>
+            <a:pPr algn="ctr"/>
+            <a:r>
+              <a:rPr lang="de-DE" dirty="0"/>
+              <a:t>Modell mit aktuellen</a:t>
+            </a:r>
+          </a:p>
+          <a:p>
+            <a:pPr algn="ctr"/>
+            <a:endParaRPr lang="de-DE" dirty="0"/>
+          </a:p>
+        </p:txBody>
+      </p:sp>
+      <p:sp>
+        <p:nvSpPr>
+          <p:cNvPr id="6" name="Rectangle 5">
+            <a:extLst>
+              <a:ext uri="{FF2B5EF4-FFF2-40B4-BE49-F238E27FC236}">
+                <a16:creationId xmlns:a16="http://schemas.microsoft.com/office/drawing/2014/main" id="{43ED143F-8988-463F-88B4-80E2FCF62EDE}"/>
+              </a:ext>
+            </a:extLst>
+          </p:cNvPr>
+          <p:cNvSpPr/>
+          <p:nvPr/>
+        </p:nvSpPr>
+        <p:spPr>
+          <a:xfrm>
+            <a:off x="4663126" y="2994012"/>
+            <a:ext cx="1432874" cy="292231"/>
+          </a:xfrm>
+          <a:prstGeom prst="rect">
+            <a:avLst/>
+          </a:prstGeom>
+        </p:spPr>
+        <p:style>
+          <a:lnRef idx="2">
+            <a:schemeClr val="dk1"/>
+          </a:lnRef>
+          <a:fillRef idx="1">
+            <a:schemeClr val="lt1"/>
+          </a:fillRef>
+          <a:effectRef idx="0">
+            <a:schemeClr val="dk1"/>
+          </a:effectRef>
+          <a:fontRef idx="minor">
+            <a:schemeClr val="dk1"/>
+          </a:fontRef>
+        </p:style>
+        <p:txBody>
+          <a:bodyPr rtlCol="0" anchor="ctr"/>
+          <a:lstStyle/>
+          <a:p>
+            <a:pPr algn="ctr"/>
+            <a:r>
+              <a:rPr lang="de-DE" dirty="0"/>
+              <a:t>Parametern</a:t>
+            </a:r>
+          </a:p>
+        </p:txBody>
+      </p:sp>
+      <p:sp>
+        <p:nvSpPr>
+          <p:cNvPr id="9" name="TextBox 8">
+            <a:extLst>
+              <a:ext uri="{FF2B5EF4-FFF2-40B4-BE49-F238E27FC236}">
+                <a16:creationId xmlns:a16="http://schemas.microsoft.com/office/drawing/2014/main" id="{9A4ED11C-ABF8-4728-8A01-F02250DFE104}"/>
+              </a:ext>
+            </a:extLst>
+          </p:cNvPr>
+          <p:cNvSpPr txBox="1"/>
+          <p:nvPr/>
+        </p:nvSpPr>
+        <p:spPr>
+          <a:xfrm>
+            <a:off x="5360710" y="4454165"/>
+            <a:ext cx="436775" cy="584775"/>
+          </a:xfrm>
+          <a:prstGeom prst="rect">
+            <a:avLst/>
+          </a:prstGeom>
+          <a:noFill/>
+        </p:spPr>
+        <p:txBody>
+          <a:bodyPr wrap="square" rtlCol="0">
+            <a:spAutoFit/>
+          </a:bodyPr>
+          <a:lstStyle/>
+          <a:p>
+            <a:r>
+              <a:rPr lang="de-DE" sz="3200" b="1" dirty="0"/>
+              <a:t>=</a:t>
+            </a:r>
+          </a:p>
+        </p:txBody>
+      </p:sp>
+      <p:sp>
+        <p:nvSpPr>
+          <p:cNvPr id="10" name="TextBox 9">
+            <a:extLst>
+              <a:ext uri="{FF2B5EF4-FFF2-40B4-BE49-F238E27FC236}">
+                <a16:creationId xmlns:a16="http://schemas.microsoft.com/office/drawing/2014/main" id="{174AB1DB-23AD-443D-A27B-898014041B2E}"/>
+              </a:ext>
+            </a:extLst>
+          </p:cNvPr>
+          <p:cNvSpPr txBox="1"/>
+          <p:nvPr/>
+        </p:nvSpPr>
+        <p:spPr>
+          <a:xfrm>
+            <a:off x="5377992" y="4237978"/>
+            <a:ext cx="436775" cy="584775"/>
+          </a:xfrm>
+          <a:prstGeom prst="rect">
+            <a:avLst/>
+          </a:prstGeom>
+          <a:noFill/>
+        </p:spPr>
+        <p:txBody>
+          <a:bodyPr wrap="square" rtlCol="0">
+            <a:spAutoFit/>
+          </a:bodyPr>
+          <a:lstStyle/>
+          <a:p>
+            <a:r>
+              <a:rPr lang="de-DE" sz="3200" b="1" dirty="0"/>
+              <a:t>?</a:t>
+            </a:r>
+          </a:p>
+        </p:txBody>
+      </p:sp>
+      <p:pic>
+        <p:nvPicPr>
+          <p:cNvPr id="14" name="Picture 13">
+            <a:extLst>
+              <a:ext uri="{FF2B5EF4-FFF2-40B4-BE49-F238E27FC236}">
+                <a16:creationId xmlns:a16="http://schemas.microsoft.com/office/drawing/2014/main" id="{B41EEA3A-55A6-4BF4-82C4-BFFA5CBB7B8C}"/>
+              </a:ext>
+            </a:extLst>
+          </p:cNvPr>
+          <p:cNvPicPr>
+            <a:picLocks noChangeAspect="1"/>
+          </p:cNvPicPr>
+          <p:nvPr/>
+        </p:nvPicPr>
+        <p:blipFill rotWithShape="1">
+          <a:blip r:embed="rId2">
+            <a:extLst>
+              <a:ext uri="{28A0092B-C50C-407E-A947-70E740481C1C}">
+                <a14:useLocalDpi xmlns:a14="http://schemas.microsoft.com/office/drawing/2010/main" val="0"/>
+              </a:ext>
+            </a:extLst>
+          </a:blip>
+          <a:srcRect l="62253" t="27085" r="8949" b="17458"/>
+          <a:stretch/>
+        </p:blipFill>
+        <p:spPr>
+          <a:xfrm>
+            <a:off x="3577477" y="3642689"/>
+            <a:ext cx="1589987" cy="1494894"/>
+          </a:xfrm>
+          <a:prstGeom prst="rect">
+            <a:avLst/>
+          </a:prstGeom>
+        </p:spPr>
+      </p:pic>
+      <p:pic>
+        <p:nvPicPr>
+          <p:cNvPr id="15" name="Picture 14">
+            <a:extLst>
+              <a:ext uri="{FF2B5EF4-FFF2-40B4-BE49-F238E27FC236}">
+                <a16:creationId xmlns:a16="http://schemas.microsoft.com/office/drawing/2014/main" id="{9E6D39F9-A7FF-4A26-8753-BA8C07013564}"/>
+              </a:ext>
+            </a:extLst>
+          </p:cNvPr>
+          <p:cNvPicPr>
+            <a:picLocks noChangeAspect="1"/>
+          </p:cNvPicPr>
+          <p:nvPr/>
+        </p:nvPicPr>
+        <p:blipFill rotWithShape="1">
+          <a:blip r:embed="rId2">
+            <a:extLst>
+              <a:ext uri="{28A0092B-C50C-407E-A947-70E740481C1C}">
+                <a14:useLocalDpi xmlns:a14="http://schemas.microsoft.com/office/drawing/2010/main" val="0"/>
+              </a:ext>
+            </a:extLst>
+          </a:blip>
+          <a:srcRect l="14355" t="25645" r="56273" b="19824"/>
+          <a:stretch/>
+        </p:blipFill>
+        <p:spPr>
+          <a:xfrm>
+            <a:off x="6096000" y="3564858"/>
+            <a:ext cx="1616695" cy="1494894"/>
+          </a:xfrm>
+          <a:prstGeom prst="rect">
+            <a:avLst/>
+          </a:prstGeom>
+        </p:spPr>
+      </p:pic>
+      <p:cxnSp>
+        <p:nvCxnSpPr>
+          <p:cNvPr id="17" name="Connector: Elbow 16">
+            <a:extLst>
+              <a:ext uri="{FF2B5EF4-FFF2-40B4-BE49-F238E27FC236}">
+                <a16:creationId xmlns:a16="http://schemas.microsoft.com/office/drawing/2014/main" id="{7868948E-7889-4B6E-B6EB-A3ADB7D8F25E}"/>
+              </a:ext>
+            </a:extLst>
+          </p:cNvPr>
+          <p:cNvCxnSpPr>
+            <a:cxnSpLocks/>
+            <a:stCxn id="4" idx="1"/>
+          </p:cNvCxnSpPr>
+          <p:nvPr/>
+        </p:nvCxnSpPr>
+        <p:spPr>
+          <a:xfrm rot="10800000" flipV="1">
+            <a:off x="4050390" y="2105493"/>
+            <a:ext cx="683440" cy="1537195"/>
+          </a:xfrm>
+          <a:prstGeom prst="bentConnector2">
+            <a:avLst/>
+          </a:prstGeom>
+          <a:ln w="38100">
+            <a:tailEnd type="triangle"/>
+          </a:ln>
+        </p:spPr>
+        <p:style>
+          <a:lnRef idx="3">
+            <a:schemeClr val="dk1"/>
+          </a:lnRef>
+          <a:fillRef idx="0">
+            <a:schemeClr val="dk1"/>
+          </a:fillRef>
+          <a:effectRef idx="2">
+            <a:schemeClr val="dk1"/>
+          </a:effectRef>
+          <a:fontRef idx="minor">
+            <a:schemeClr val="tx1"/>
+          </a:fontRef>
+        </p:style>
+      </p:cxnSp>
+      <p:cxnSp>
+        <p:nvCxnSpPr>
+          <p:cNvPr id="20" name="Connector: Elbow 19">
+            <a:extLst>
+              <a:ext uri="{FF2B5EF4-FFF2-40B4-BE49-F238E27FC236}">
+                <a16:creationId xmlns:a16="http://schemas.microsoft.com/office/drawing/2014/main" id="{2099DBFB-3B0E-4D6E-814B-6F32A935209F}"/>
+              </a:ext>
+            </a:extLst>
+          </p:cNvPr>
+          <p:cNvCxnSpPr>
+            <a:cxnSpLocks/>
+            <a:stCxn id="5" idx="1"/>
+            <a:endCxn id="14" idx="0"/>
+          </p:cNvCxnSpPr>
+          <p:nvPr/>
+        </p:nvCxnSpPr>
+        <p:spPr>
+          <a:xfrm rot="10800000" flipV="1">
+            <a:off x="4372471" y="2874091"/>
+            <a:ext cx="230948" cy="768597"/>
+          </a:xfrm>
+          <a:prstGeom prst="bentConnector2">
+            <a:avLst/>
+          </a:prstGeom>
+          <a:ln w="38100">
+            <a:tailEnd type="triangle"/>
+          </a:ln>
+        </p:spPr>
+        <p:style>
+          <a:lnRef idx="3">
+            <a:schemeClr val="dk1"/>
+          </a:lnRef>
+          <a:fillRef idx="0">
+            <a:schemeClr val="dk1"/>
+          </a:fillRef>
+          <a:effectRef idx="2">
+            <a:schemeClr val="dk1"/>
+          </a:effectRef>
+          <a:fontRef idx="minor">
+            <a:schemeClr val="tx1"/>
+          </a:fontRef>
+        </p:style>
+      </p:cxnSp>
+      <p:cxnSp>
+        <p:nvCxnSpPr>
+          <p:cNvPr id="28" name="Connector: Elbow 27">
+            <a:extLst>
+              <a:ext uri="{FF2B5EF4-FFF2-40B4-BE49-F238E27FC236}">
+                <a16:creationId xmlns:a16="http://schemas.microsoft.com/office/drawing/2014/main" id="{D24095E3-03E0-4E18-B4F3-DF35BED65946}"/>
+              </a:ext>
+            </a:extLst>
+          </p:cNvPr>
+          <p:cNvCxnSpPr>
+            <a:cxnSpLocks/>
+            <a:stCxn id="10" idx="0"/>
+            <a:endCxn id="6" idx="3"/>
+          </p:cNvCxnSpPr>
+          <p:nvPr/>
+        </p:nvCxnSpPr>
+        <p:spPr>
+          <a:xfrm rot="5400000" flipH="1" flipV="1">
+            <a:off x="5297265" y="3439243"/>
+            <a:ext cx="1097850" cy="499620"/>
+          </a:xfrm>
+          <a:prstGeom prst="bentConnector4">
+            <a:avLst>
+              <a:gd name="adj1" fmla="val 43345"/>
+              <a:gd name="adj2" fmla="val 145755"/>
+            </a:avLst>
+          </a:prstGeom>
+          <a:ln w="38100">
+            <a:tailEnd type="triangle"/>
+          </a:ln>
+        </p:spPr>
+        <p:style>
+          <a:lnRef idx="3">
+            <a:schemeClr val="dk1"/>
+          </a:lnRef>
+          <a:fillRef idx="0">
+            <a:schemeClr val="dk1"/>
+          </a:fillRef>
+          <a:effectRef idx="2">
+            <a:schemeClr val="dk1"/>
+          </a:effectRef>
+          <a:fontRef idx="minor">
+            <a:schemeClr val="tx1"/>
+          </a:fontRef>
+        </p:style>
+      </p:cxnSp>
+      <p:sp>
+        <p:nvSpPr>
+          <p:cNvPr id="43" name="Rectangle 42">
+            <a:extLst>
+              <a:ext uri="{FF2B5EF4-FFF2-40B4-BE49-F238E27FC236}">
+                <a16:creationId xmlns:a16="http://schemas.microsoft.com/office/drawing/2014/main" id="{1922FF53-6948-45D5-858B-61179FFB3DBC}"/>
+              </a:ext>
+            </a:extLst>
+          </p:cNvPr>
+          <p:cNvSpPr/>
+          <p:nvPr/>
+        </p:nvSpPr>
+        <p:spPr>
+          <a:xfrm>
+            <a:off x="3731447" y="5238244"/>
+            <a:ext cx="1282046" cy="409694"/>
+          </a:xfrm>
+          <a:prstGeom prst="rect">
+            <a:avLst/>
+          </a:prstGeom>
+        </p:spPr>
+        <p:style>
+          <a:lnRef idx="2">
+            <a:schemeClr val="dk1"/>
+          </a:lnRef>
+          <a:fillRef idx="1">
+            <a:schemeClr val="lt1"/>
+          </a:fillRef>
+          <a:effectRef idx="0">
+            <a:schemeClr val="dk1"/>
+          </a:effectRef>
+          <a:fontRef idx="minor">
+            <a:schemeClr val="dk1"/>
+          </a:fontRef>
+        </p:style>
+        <p:txBody>
+          <a:bodyPr rtlCol="0" anchor="ctr"/>
+          <a:lstStyle/>
+          <a:p>
+            <a:pPr algn="ctr"/>
+            <a:r>
+              <a:rPr lang="de-DE" dirty="0"/>
+              <a:t>Testdaten</a:t>
+            </a:r>
+          </a:p>
+        </p:txBody>
+      </p:sp>
+      <p:sp>
+        <p:nvSpPr>
+          <p:cNvPr id="44" name="Rectangle 43">
+            <a:extLst>
+              <a:ext uri="{FF2B5EF4-FFF2-40B4-BE49-F238E27FC236}">
+                <a16:creationId xmlns:a16="http://schemas.microsoft.com/office/drawing/2014/main" id="{C8EA141B-C7B1-4FE2-84E8-6CB09DF3DF18}"/>
+              </a:ext>
+            </a:extLst>
+          </p:cNvPr>
+          <p:cNvSpPr/>
+          <p:nvPr/>
+        </p:nvSpPr>
+        <p:spPr>
+          <a:xfrm>
+            <a:off x="6263324" y="5137583"/>
+            <a:ext cx="1282046" cy="409694"/>
+          </a:xfrm>
+          <a:prstGeom prst="rect">
+            <a:avLst/>
+          </a:prstGeom>
+        </p:spPr>
+        <p:style>
+          <a:lnRef idx="2">
+            <a:schemeClr val="dk1"/>
+          </a:lnRef>
+          <a:fillRef idx="1">
+            <a:schemeClr val="lt1"/>
+          </a:fillRef>
+          <a:effectRef idx="0">
+            <a:schemeClr val="dk1"/>
+          </a:effectRef>
+          <a:fontRef idx="minor">
+            <a:schemeClr val="dk1"/>
+          </a:fontRef>
+        </p:style>
+        <p:txBody>
+          <a:bodyPr rtlCol="0" anchor="ctr"/>
+          <a:lstStyle/>
+          <a:p>
+            <a:pPr algn="ctr"/>
+            <a:r>
+              <a:rPr lang="de-DE" dirty="0"/>
+              <a:t>Bilddaten</a:t>
+            </a:r>
+          </a:p>
+        </p:txBody>
+      </p:sp>
+    </p:spTree>
+    <p:extLst>
+      <p:ext uri="{BB962C8B-B14F-4D97-AF65-F5344CB8AC3E}">
+        <p14:creationId xmlns:p14="http://schemas.microsoft.com/office/powerpoint/2010/main" val="331883596"/>
+      </p:ext>
+    </p:extLst>
+  </p:cSld>
+  <p:clrMapOvr>
+    <a:masterClrMapping/>
+  </p:clrMapOvr>
+</p:sld>
+</file>
+
+<file path=ppt/slides/slide7.xml><?xml version="1.0" encoding="utf-8"?>
+<p:sld xmlns:a="http://schemas.openxmlformats.org/drawingml/2006/main" xmlns:r="http://schemas.openxmlformats.org/officeDocument/2006/relationships" xmlns:p="http://schemas.openxmlformats.org/presentationml/2006/main">
+  <p:cSld>
+    <p:spTree>
+      <p:nvGrpSpPr>
+        <p:cNvPr id="1" name=""/>
+        <p:cNvGrpSpPr/>
+        <p:nvPr/>
+      </p:nvGrpSpPr>
+      <p:grpSpPr>
+        <a:xfrm>
+          <a:off x="0" y="0"/>
+          <a:ext cx="0" cy="0"/>
+          <a:chOff x="0" y="0"/>
+          <a:chExt cx="0" cy="0"/>
+        </a:xfrm>
+      </p:grpSpPr>
+      <p:sp>
+        <p:nvSpPr>
+          <p:cNvPr id="2" name="Title 1">
+            <a:extLst>
+              <a:ext uri="{FF2B5EF4-FFF2-40B4-BE49-F238E27FC236}">
+                <a16:creationId xmlns:a16="http://schemas.microsoft.com/office/drawing/2014/main" id="{CF9D1C75-60E5-4E69-8DD7-0C99BA090A92}"/>
+              </a:ext>
+            </a:extLst>
+          </p:cNvPr>
+          <p:cNvSpPr>
+            <a:spLocks noGrp="1"/>
+          </p:cNvSpPr>
+          <p:nvPr>
+            <p:ph type="title"/>
+          </p:nvPr>
+        </p:nvSpPr>
+        <p:spPr/>
+        <p:txBody>
+          <a:bodyPr/>
+          <a:lstStyle/>
+          <a:p>
+            <a:endParaRPr lang="de-DE"/>
+          </a:p>
+        </p:txBody>
+      </p:sp>
+      <p:sp>
+        <p:nvSpPr>
+          <p:cNvPr id="3" name="Content Placeholder 2">
+            <a:extLst>
+              <a:ext uri="{FF2B5EF4-FFF2-40B4-BE49-F238E27FC236}">
+                <a16:creationId xmlns:a16="http://schemas.microsoft.com/office/drawing/2014/main" id="{5579A807-AD46-4073-9D36-ECABFBC0F078}"/>
+              </a:ext>
+            </a:extLst>
+          </p:cNvPr>
+          <p:cNvSpPr>
+            <a:spLocks noGrp="1"/>
+          </p:cNvSpPr>
+          <p:nvPr>
+            <p:ph idx="1"/>
+          </p:nvPr>
+        </p:nvSpPr>
+        <p:spPr>
+          <a:xfrm>
+            <a:off x="838200" y="1825625"/>
+            <a:ext cx="4535078" cy="1860255"/>
+          </a:xfrm>
+        </p:spPr>
+        <p:txBody>
+          <a:bodyPr>
+            <a:normAutofit/>
+          </a:bodyPr>
+          <a:lstStyle/>
+          <a:p>
+            <a:pPr marL="0" indent="0">
+              <a:buNone/>
+            </a:pPr>
+            <a:r>
+              <a:rPr lang="de-DE" sz="11500" dirty="0"/>
+              <a:t>[   ] [   ]</a:t>
+            </a:r>
+          </a:p>
+          <a:p>
+            <a:pPr marL="0" indent="0">
+              <a:buNone/>
+            </a:pPr>
+            <a:endParaRPr lang="de-DE" sz="8800" dirty="0"/>
+          </a:p>
+        </p:txBody>
+      </p:sp>
+      <p:sp>
+        <p:nvSpPr>
+          <p:cNvPr id="4" name="TextBox 3">
+            <a:extLst>
+              <a:ext uri="{FF2B5EF4-FFF2-40B4-BE49-F238E27FC236}">
+                <a16:creationId xmlns:a16="http://schemas.microsoft.com/office/drawing/2014/main" id="{BCF56B12-26B6-4E9F-8F9C-A19C7745DA1E}"/>
+              </a:ext>
+            </a:extLst>
+          </p:cNvPr>
+          <p:cNvSpPr txBox="1"/>
+          <p:nvPr/>
+        </p:nvSpPr>
+        <p:spPr>
+          <a:xfrm>
+            <a:off x="3327662" y="2187019"/>
+            <a:ext cx="1498862" cy="923330"/>
+          </a:xfrm>
+          <a:prstGeom prst="rect">
+            <a:avLst/>
+          </a:prstGeom>
+          <a:noFill/>
+        </p:spPr>
+        <p:txBody>
+          <a:bodyPr wrap="square" rtlCol="0">
+            <a:spAutoFit/>
+          </a:bodyPr>
+          <a:lstStyle/>
+          <a:p>
+            <a:r>
+              <a:rPr lang="de-DE" dirty="0"/>
+              <a:t>1 2 3 4 5 6 7…</a:t>
+            </a:r>
+          </a:p>
+          <a:p>
+            <a:r>
+              <a:rPr lang="de-DE" dirty="0"/>
+              <a:t>1 2 3 4 5 6 7…</a:t>
+            </a:r>
+          </a:p>
+          <a:p>
+            <a:r>
+              <a:rPr lang="de-DE" dirty="0"/>
+              <a:t>1 2 3 4 5 6 7…</a:t>
+            </a:r>
+          </a:p>
+        </p:txBody>
+      </p:sp>
+      <p:sp>
+        <p:nvSpPr>
+          <p:cNvPr id="5" name="Rectangle 4">
+            <a:extLst>
+              <a:ext uri="{FF2B5EF4-FFF2-40B4-BE49-F238E27FC236}">
+                <a16:creationId xmlns:a16="http://schemas.microsoft.com/office/drawing/2014/main" id="{63E916A0-1567-4730-8D3B-C7873A066678}"/>
+              </a:ext>
+            </a:extLst>
+          </p:cNvPr>
+          <p:cNvSpPr/>
+          <p:nvPr/>
+        </p:nvSpPr>
+        <p:spPr>
+          <a:xfrm>
+            <a:off x="1212194" y="2187019"/>
+            <a:ext cx="1321196" cy="1200329"/>
+          </a:xfrm>
+          <a:prstGeom prst="rect">
+            <a:avLst/>
+          </a:prstGeom>
+        </p:spPr>
+        <p:txBody>
+          <a:bodyPr wrap="none">
+            <a:spAutoFit/>
+          </a:bodyPr>
+          <a:lstStyle/>
+          <a:p>
+            <a:r>
+              <a:rPr lang="de-DE" dirty="0"/>
+              <a:t>1 1 1 1 1 1 1</a:t>
+            </a:r>
+          </a:p>
+          <a:p>
+            <a:r>
+              <a:rPr lang="de-DE" dirty="0"/>
+              <a:t>2 2 2 2 2 2 2</a:t>
+            </a:r>
+          </a:p>
+          <a:p>
+            <a:r>
+              <a:rPr lang="de-DE" dirty="0"/>
+              <a:t>3 3 3 3 3 3 3</a:t>
+            </a:r>
+          </a:p>
+          <a:p>
+            <a:pPr algn="ctr"/>
+            <a:r>
+              <a:rPr lang="de-DE" dirty="0"/>
+              <a:t>…</a:t>
+            </a:r>
+          </a:p>
+        </p:txBody>
+      </p:sp>
+    </p:spTree>
+    <p:extLst>
+      <p:ext uri="{BB962C8B-B14F-4D97-AF65-F5344CB8AC3E}">
+        <p14:creationId xmlns:p14="http://schemas.microsoft.com/office/powerpoint/2010/main" val="547801446"/>
+      </p:ext>
+    </p:extLst>
+  </p:cSld>
+  <p:clrMapOvr>
+    <a:masterClrMapping/>
+  </p:clrMapOvr>
+</p:sld>
+</file>
+
 <file path=ppt/theme/theme1.xml><?xml version="1.0" encoding="utf-8"?>
 <a:theme xmlns:a="http://schemas.openxmlformats.org/drawingml/2006/main" name="Office Theme">
   <a:themeElements>

--- a/Dokumentation/erstellte_Abbildungen.pptx
+++ b/Dokumentation/erstellte_Abbildungen.pptx
@@ -11,7 +11,9 @@
     <p:sldId id="260" r:id="rId5"/>
     <p:sldId id="261" r:id="rId6"/>
     <p:sldId id="262" r:id="rId7"/>
-    <p:sldId id="263" r:id="rId8"/>
+    <p:sldId id="264" r:id="rId8"/>
+    <p:sldId id="265" r:id="rId9"/>
+    <p:sldId id="263" r:id="rId10"/>
   </p:sldIdLst>
   <p:sldSz cx="12192000" cy="6858000"/>
   <p:notesSz cx="6858000" cy="9144000"/>
@@ -267,7 +269,7 @@
           <a:p>
             <a:fld id="{E6A5644B-59F2-4915-A4B7-5F3DB0AE8767}" type="datetimeFigureOut">
               <a:rPr lang="de-DE" smtClean="0"/>
-              <a:t>02.08.2022</a:t>
+              <a:t>03.08.2022</a:t>
             </a:fld>
             <a:endParaRPr lang="de-DE"/>
           </a:p>
@@ -467,7 +469,7 @@
           <a:p>
             <a:fld id="{E6A5644B-59F2-4915-A4B7-5F3DB0AE8767}" type="datetimeFigureOut">
               <a:rPr lang="de-DE" smtClean="0"/>
-              <a:t>02.08.2022</a:t>
+              <a:t>03.08.2022</a:t>
             </a:fld>
             <a:endParaRPr lang="de-DE"/>
           </a:p>
@@ -677,7 +679,7 @@
           <a:p>
             <a:fld id="{E6A5644B-59F2-4915-A4B7-5F3DB0AE8767}" type="datetimeFigureOut">
               <a:rPr lang="de-DE" smtClean="0"/>
-              <a:t>02.08.2022</a:t>
+              <a:t>03.08.2022</a:t>
             </a:fld>
             <a:endParaRPr lang="de-DE"/>
           </a:p>
@@ -877,7 +879,7 @@
           <a:p>
             <a:fld id="{E6A5644B-59F2-4915-A4B7-5F3DB0AE8767}" type="datetimeFigureOut">
               <a:rPr lang="de-DE" smtClean="0"/>
-              <a:t>02.08.2022</a:t>
+              <a:t>03.08.2022</a:t>
             </a:fld>
             <a:endParaRPr lang="de-DE"/>
           </a:p>
@@ -1153,7 +1155,7 @@
           <a:p>
             <a:fld id="{E6A5644B-59F2-4915-A4B7-5F3DB0AE8767}" type="datetimeFigureOut">
               <a:rPr lang="de-DE" smtClean="0"/>
-              <a:t>02.08.2022</a:t>
+              <a:t>03.08.2022</a:t>
             </a:fld>
             <a:endParaRPr lang="de-DE"/>
           </a:p>
@@ -1421,7 +1423,7 @@
           <a:p>
             <a:fld id="{E6A5644B-59F2-4915-A4B7-5F3DB0AE8767}" type="datetimeFigureOut">
               <a:rPr lang="de-DE" smtClean="0"/>
-              <a:t>02.08.2022</a:t>
+              <a:t>03.08.2022</a:t>
             </a:fld>
             <a:endParaRPr lang="de-DE"/>
           </a:p>
@@ -1836,7 +1838,7 @@
           <a:p>
             <a:fld id="{E6A5644B-59F2-4915-A4B7-5F3DB0AE8767}" type="datetimeFigureOut">
               <a:rPr lang="de-DE" smtClean="0"/>
-              <a:t>02.08.2022</a:t>
+              <a:t>03.08.2022</a:t>
             </a:fld>
             <a:endParaRPr lang="de-DE"/>
           </a:p>
@@ -1978,7 +1980,7 @@
           <a:p>
             <a:fld id="{E6A5644B-59F2-4915-A4B7-5F3DB0AE8767}" type="datetimeFigureOut">
               <a:rPr lang="de-DE" smtClean="0"/>
-              <a:t>02.08.2022</a:t>
+              <a:t>03.08.2022</a:t>
             </a:fld>
             <a:endParaRPr lang="de-DE"/>
           </a:p>
@@ -2091,7 +2093,7 @@
           <a:p>
             <a:fld id="{E6A5644B-59F2-4915-A4B7-5F3DB0AE8767}" type="datetimeFigureOut">
               <a:rPr lang="de-DE" smtClean="0"/>
-              <a:t>02.08.2022</a:t>
+              <a:t>03.08.2022</a:t>
             </a:fld>
             <a:endParaRPr lang="de-DE"/>
           </a:p>
@@ -2404,7 +2406,7 @@
           <a:p>
             <a:fld id="{E6A5644B-59F2-4915-A4B7-5F3DB0AE8767}" type="datetimeFigureOut">
               <a:rPr lang="de-DE" smtClean="0"/>
-              <a:t>02.08.2022</a:t>
+              <a:t>03.08.2022</a:t>
             </a:fld>
             <a:endParaRPr lang="de-DE"/>
           </a:p>
@@ -2693,7 +2695,7 @@
           <a:p>
             <a:fld id="{E6A5644B-59F2-4915-A4B7-5F3DB0AE8767}" type="datetimeFigureOut">
               <a:rPr lang="de-DE" smtClean="0"/>
-              <a:t>02.08.2022</a:t>
+              <a:t>03.08.2022</a:t>
             </a:fld>
             <a:endParaRPr lang="de-DE"/>
           </a:p>
@@ -2936,7 +2938,7 @@
           <a:p>
             <a:fld id="{E6A5644B-59F2-4915-A4B7-5F3DB0AE8767}" type="datetimeFigureOut">
               <a:rPr lang="de-DE" smtClean="0"/>
-              <a:t>02.08.2022</a:t>
+              <a:t>03.08.2022</a:t>
             </a:fld>
             <a:endParaRPr lang="de-DE"/>
           </a:p>
@@ -6199,6 +6201,454 @@
           <a:chExt cx="0" cy="0"/>
         </a:xfrm>
       </p:grpSpPr>
+      <p:pic>
+        <p:nvPicPr>
+          <p:cNvPr id="5" name="Content Placeholder 4">
+            <a:extLst>
+              <a:ext uri="{FF2B5EF4-FFF2-40B4-BE49-F238E27FC236}">
+                <a16:creationId xmlns:a16="http://schemas.microsoft.com/office/drawing/2014/main" id="{B592CBCE-104A-4EE7-95CF-877C57E2916A}"/>
+              </a:ext>
+            </a:extLst>
+          </p:cNvPr>
+          <p:cNvPicPr>
+            <a:picLocks noGrp="1" noChangeAspect="1"/>
+          </p:cNvPicPr>
+          <p:nvPr>
+            <p:ph idx="1"/>
+          </p:nvPr>
+        </p:nvPicPr>
+        <p:blipFill>
+          <a:blip r:embed="rId2">
+            <a:extLst>
+              <a:ext uri="{28A0092B-C50C-407E-A947-70E740481C1C}">
+                <a14:useLocalDpi xmlns:a14="http://schemas.microsoft.com/office/drawing/2010/main" val="0"/>
+              </a:ext>
+            </a:extLst>
+          </a:blip>
+          <a:stretch>
+            <a:fillRect/>
+          </a:stretch>
+        </p:blipFill>
+        <p:spPr>
+          <a:xfrm>
+            <a:off x="3776171" y="1540866"/>
+            <a:ext cx="4838095" cy="3149206"/>
+          </a:xfrm>
+        </p:spPr>
+      </p:pic>
+      <p:sp>
+        <p:nvSpPr>
+          <p:cNvPr id="6" name="TextBox 5">
+            <a:extLst>
+              <a:ext uri="{FF2B5EF4-FFF2-40B4-BE49-F238E27FC236}">
+                <a16:creationId xmlns:a16="http://schemas.microsoft.com/office/drawing/2014/main" id="{B0AD98E6-9706-4217-9533-940678B28F13}"/>
+              </a:ext>
+            </a:extLst>
+          </p:cNvPr>
+          <p:cNvSpPr txBox="1"/>
+          <p:nvPr/>
+        </p:nvSpPr>
+        <p:spPr>
+          <a:xfrm>
+            <a:off x="5483392" y="3759455"/>
+            <a:ext cx="1097910" cy="646331"/>
+          </a:xfrm>
+          <a:prstGeom prst="rect">
+            <a:avLst/>
+          </a:prstGeom>
+          <a:noFill/>
+        </p:spPr>
+        <p:txBody>
+          <a:bodyPr wrap="square" rtlCol="0">
+            <a:spAutoFit/>
+          </a:bodyPr>
+          <a:lstStyle/>
+          <a:p>
+            <a:r>
+              <a:rPr lang="de-DE" dirty="0"/>
+              <a:t> Rauschen</a:t>
+            </a:r>
+          </a:p>
+        </p:txBody>
+      </p:sp>
+      <p:cxnSp>
+        <p:nvCxnSpPr>
+          <p:cNvPr id="8" name="Straight Connector 7">
+            <a:extLst>
+              <a:ext uri="{FF2B5EF4-FFF2-40B4-BE49-F238E27FC236}">
+                <a16:creationId xmlns:a16="http://schemas.microsoft.com/office/drawing/2014/main" id="{D9F75BA2-44C5-45DE-8DA2-6F2106877FC3}"/>
+              </a:ext>
+            </a:extLst>
+          </p:cNvPr>
+          <p:cNvCxnSpPr>
+            <a:cxnSpLocks/>
+          </p:cNvCxnSpPr>
+          <p:nvPr/>
+        </p:nvCxnSpPr>
+        <p:spPr>
+          <a:xfrm>
+            <a:off x="5016500" y="4287043"/>
+            <a:ext cx="0" cy="73025"/>
+          </a:xfrm>
+          <a:prstGeom prst="line">
+            <a:avLst/>
+          </a:prstGeom>
+          <a:ln>
+            <a:solidFill>
+              <a:srgbClr val="D44A4A"/>
+            </a:solidFill>
+          </a:ln>
+        </p:spPr>
+        <p:style>
+          <a:lnRef idx="3">
+            <a:schemeClr val="accent2"/>
+          </a:lnRef>
+          <a:fillRef idx="0">
+            <a:schemeClr val="accent2"/>
+          </a:fillRef>
+          <a:effectRef idx="2">
+            <a:schemeClr val="accent2"/>
+          </a:effectRef>
+          <a:fontRef idx="minor">
+            <a:schemeClr val="tx1"/>
+          </a:fontRef>
+        </p:style>
+      </p:cxnSp>
+      <p:cxnSp>
+        <p:nvCxnSpPr>
+          <p:cNvPr id="10" name="Straight Connector 9">
+            <a:extLst>
+              <a:ext uri="{FF2B5EF4-FFF2-40B4-BE49-F238E27FC236}">
+                <a16:creationId xmlns:a16="http://schemas.microsoft.com/office/drawing/2014/main" id="{5329B268-84EE-49D9-AB57-522D76774B5E}"/>
+              </a:ext>
+            </a:extLst>
+          </p:cNvPr>
+          <p:cNvCxnSpPr>
+            <a:cxnSpLocks/>
+          </p:cNvCxnSpPr>
+          <p:nvPr/>
+        </p:nvCxnSpPr>
+        <p:spPr>
+          <a:xfrm>
+            <a:off x="7145338" y="4294979"/>
+            <a:ext cx="0" cy="73025"/>
+          </a:xfrm>
+          <a:prstGeom prst="line">
+            <a:avLst/>
+          </a:prstGeom>
+          <a:ln>
+            <a:solidFill>
+              <a:srgbClr val="D44A4A"/>
+            </a:solidFill>
+          </a:ln>
+        </p:spPr>
+        <p:style>
+          <a:lnRef idx="3">
+            <a:schemeClr val="accent2"/>
+          </a:lnRef>
+          <a:fillRef idx="0">
+            <a:schemeClr val="accent2"/>
+          </a:fillRef>
+          <a:effectRef idx="2">
+            <a:schemeClr val="accent2"/>
+          </a:effectRef>
+          <a:fontRef idx="minor">
+            <a:schemeClr val="tx1"/>
+          </a:fontRef>
+        </p:style>
+      </p:cxnSp>
+      <p:cxnSp>
+        <p:nvCxnSpPr>
+          <p:cNvPr id="12" name="Straight Connector 11">
+            <a:extLst>
+              <a:ext uri="{FF2B5EF4-FFF2-40B4-BE49-F238E27FC236}">
+                <a16:creationId xmlns:a16="http://schemas.microsoft.com/office/drawing/2014/main" id="{13648851-3CE0-4DA5-B701-009ADA2E695B}"/>
+              </a:ext>
+            </a:extLst>
+          </p:cNvPr>
+          <p:cNvCxnSpPr>
+            <a:cxnSpLocks/>
+          </p:cNvCxnSpPr>
+          <p:nvPr/>
+        </p:nvCxnSpPr>
+        <p:spPr>
+          <a:xfrm flipV="1">
+            <a:off x="5041106" y="4231481"/>
+            <a:ext cx="539431" cy="84931"/>
+          </a:xfrm>
+          <a:prstGeom prst="line">
+            <a:avLst/>
+          </a:prstGeom>
+        </p:spPr>
+        <p:style>
+          <a:lnRef idx="1">
+            <a:schemeClr val="dk1"/>
+          </a:lnRef>
+          <a:fillRef idx="0">
+            <a:schemeClr val="dk1"/>
+          </a:fillRef>
+          <a:effectRef idx="0">
+            <a:schemeClr val="dk1"/>
+          </a:effectRef>
+          <a:fontRef idx="minor">
+            <a:schemeClr val="tx1"/>
+          </a:fontRef>
+        </p:style>
+      </p:cxnSp>
+      <p:cxnSp>
+        <p:nvCxnSpPr>
+          <p:cNvPr id="15" name="Straight Connector 14">
+            <a:extLst>
+              <a:ext uri="{FF2B5EF4-FFF2-40B4-BE49-F238E27FC236}">
+                <a16:creationId xmlns:a16="http://schemas.microsoft.com/office/drawing/2014/main" id="{48F8C8C1-DC73-465B-B5D2-C23B4878DA66}"/>
+              </a:ext>
+            </a:extLst>
+          </p:cNvPr>
+          <p:cNvCxnSpPr>
+            <a:cxnSpLocks/>
+          </p:cNvCxnSpPr>
+          <p:nvPr/>
+        </p:nvCxnSpPr>
+        <p:spPr>
+          <a:xfrm>
+            <a:off x="6476367" y="4250531"/>
+            <a:ext cx="638808" cy="73817"/>
+          </a:xfrm>
+          <a:prstGeom prst="line">
+            <a:avLst/>
+          </a:prstGeom>
+        </p:spPr>
+        <p:style>
+          <a:lnRef idx="1">
+            <a:schemeClr val="dk1"/>
+          </a:lnRef>
+          <a:fillRef idx="0">
+            <a:schemeClr val="dk1"/>
+          </a:fillRef>
+          <a:effectRef idx="0">
+            <a:schemeClr val="dk1"/>
+          </a:effectRef>
+          <a:fontRef idx="minor">
+            <a:schemeClr val="tx1"/>
+          </a:fontRef>
+        </p:style>
+      </p:cxnSp>
+    </p:spTree>
+    <p:extLst>
+      <p:ext uri="{BB962C8B-B14F-4D97-AF65-F5344CB8AC3E}">
+        <p14:creationId xmlns:p14="http://schemas.microsoft.com/office/powerpoint/2010/main" val="3876112855"/>
+      </p:ext>
+    </p:extLst>
+  </p:cSld>
+  <p:clrMapOvr>
+    <a:masterClrMapping/>
+  </p:clrMapOvr>
+</p:sld>
+</file>
+
+<file path=ppt/slides/slide8.xml><?xml version="1.0" encoding="utf-8"?>
+<p:sld xmlns:a="http://schemas.openxmlformats.org/drawingml/2006/main" xmlns:r="http://schemas.openxmlformats.org/officeDocument/2006/relationships" xmlns:p="http://schemas.openxmlformats.org/presentationml/2006/main">
+  <p:cSld>
+    <p:spTree>
+      <p:nvGrpSpPr>
+        <p:cNvPr id="1" name=""/>
+        <p:cNvGrpSpPr/>
+        <p:nvPr/>
+      </p:nvGrpSpPr>
+      <p:grpSpPr>
+        <a:xfrm>
+          <a:off x="0" y="0"/>
+          <a:ext cx="0" cy="0"/>
+          <a:chOff x="0" y="0"/>
+          <a:chExt cx="0" cy="0"/>
+        </a:xfrm>
+      </p:grpSpPr>
+      <p:sp>
+        <p:nvSpPr>
+          <p:cNvPr id="2" name="Title 1">
+            <a:extLst>
+              <a:ext uri="{FF2B5EF4-FFF2-40B4-BE49-F238E27FC236}">
+                <a16:creationId xmlns:a16="http://schemas.microsoft.com/office/drawing/2014/main" id="{AEF4C893-AA82-4A75-9981-3804D5B8AA3A}"/>
+              </a:ext>
+            </a:extLst>
+          </p:cNvPr>
+          <p:cNvSpPr>
+            <a:spLocks noGrp="1"/>
+          </p:cNvSpPr>
+          <p:nvPr>
+            <p:ph type="title"/>
+          </p:nvPr>
+        </p:nvSpPr>
+        <p:spPr/>
+        <p:txBody>
+          <a:bodyPr/>
+          <a:lstStyle/>
+          <a:p>
+            <a:endParaRPr lang="de-DE"/>
+          </a:p>
+        </p:txBody>
+      </p:sp>
+      <p:pic>
+        <p:nvPicPr>
+          <p:cNvPr id="5" name="Content Placeholder 4">
+            <a:extLst>
+              <a:ext uri="{FF2B5EF4-FFF2-40B4-BE49-F238E27FC236}">
+                <a16:creationId xmlns:a16="http://schemas.microsoft.com/office/drawing/2014/main" id="{ACDA05D8-F284-4477-BAAC-26E6517DFB4C}"/>
+              </a:ext>
+            </a:extLst>
+          </p:cNvPr>
+          <p:cNvPicPr>
+            <a:picLocks noGrp="1" noChangeAspect="1"/>
+          </p:cNvPicPr>
+          <p:nvPr>
+            <p:ph idx="1"/>
+          </p:nvPr>
+        </p:nvPicPr>
+        <p:blipFill>
+          <a:blip r:embed="rId2">
+            <a:extLst>
+              <a:ext uri="{28A0092B-C50C-407E-A947-70E740481C1C}">
+                <a14:useLocalDpi xmlns:a14="http://schemas.microsoft.com/office/drawing/2010/main" val="0"/>
+              </a:ext>
+            </a:extLst>
+          </a:blip>
+          <a:stretch>
+            <a:fillRect/>
+          </a:stretch>
+        </p:blipFill>
+        <p:spPr>
+          <a:xfrm>
+            <a:off x="4726086" y="2325094"/>
+            <a:ext cx="3466667" cy="3200000"/>
+          </a:xfrm>
+        </p:spPr>
+      </p:pic>
+      <p:sp>
+        <p:nvSpPr>
+          <p:cNvPr id="10" name="Arrow: Curved Up 9">
+            <a:extLst>
+              <a:ext uri="{FF2B5EF4-FFF2-40B4-BE49-F238E27FC236}">
+                <a16:creationId xmlns:a16="http://schemas.microsoft.com/office/drawing/2014/main" id="{BC87E84D-9C83-490F-84B6-71E982629F00}"/>
+              </a:ext>
+            </a:extLst>
+          </p:cNvPr>
+          <p:cNvSpPr/>
+          <p:nvPr/>
+        </p:nvSpPr>
+        <p:spPr>
+          <a:xfrm rot="20256323">
+            <a:off x="6407150" y="4254500"/>
+            <a:ext cx="438150" cy="177800"/>
+          </a:xfrm>
+          <a:prstGeom prst="curvedUpArrow">
+            <a:avLst/>
+          </a:prstGeom>
+        </p:spPr>
+        <p:style>
+          <a:lnRef idx="1">
+            <a:schemeClr val="accent1"/>
+          </a:lnRef>
+          <a:fillRef idx="2">
+            <a:schemeClr val="accent1"/>
+          </a:fillRef>
+          <a:effectRef idx="1">
+            <a:schemeClr val="accent1"/>
+          </a:effectRef>
+          <a:fontRef idx="minor">
+            <a:schemeClr val="dk1"/>
+          </a:fontRef>
+        </p:style>
+        <p:txBody>
+          <a:bodyPr rtlCol="0" anchor="ctr"/>
+          <a:lstStyle/>
+          <a:p>
+            <a:pPr algn="ctr"/>
+            <a:endParaRPr lang="de-DE" dirty="0">
+              <a:solidFill>
+                <a:schemeClr val="tx1"/>
+              </a:solidFill>
+            </a:endParaRPr>
+          </a:p>
+        </p:txBody>
+      </p:sp>
+      <p:sp>
+        <p:nvSpPr>
+          <p:cNvPr id="11" name="Arrow: Curved Up 10">
+            <a:extLst>
+              <a:ext uri="{FF2B5EF4-FFF2-40B4-BE49-F238E27FC236}">
+                <a16:creationId xmlns:a16="http://schemas.microsoft.com/office/drawing/2014/main" id="{2E09DE1A-A634-4FD0-89E3-4C4C6D6DF0E3}"/>
+              </a:ext>
+            </a:extLst>
+          </p:cNvPr>
+          <p:cNvSpPr/>
+          <p:nvPr/>
+        </p:nvSpPr>
+        <p:spPr>
+          <a:xfrm rot="10002965">
+            <a:off x="6240345" y="3581433"/>
+            <a:ext cx="438150" cy="177800"/>
+          </a:xfrm>
+          <a:prstGeom prst="curvedUpArrow">
+            <a:avLst/>
+          </a:prstGeom>
+        </p:spPr>
+        <p:style>
+          <a:lnRef idx="1">
+            <a:schemeClr val="accent1"/>
+          </a:lnRef>
+          <a:fillRef idx="2">
+            <a:schemeClr val="accent1"/>
+          </a:fillRef>
+          <a:effectRef idx="1">
+            <a:schemeClr val="accent1"/>
+          </a:effectRef>
+          <a:fontRef idx="minor">
+            <a:schemeClr val="dk1"/>
+          </a:fontRef>
+        </p:style>
+        <p:txBody>
+          <a:bodyPr rtlCol="0" anchor="ctr"/>
+          <a:lstStyle/>
+          <a:p>
+            <a:pPr algn="ctr"/>
+            <a:endParaRPr lang="de-DE">
+              <a:solidFill>
+                <a:schemeClr val="tx1"/>
+              </a:solidFill>
+            </a:endParaRPr>
+          </a:p>
+        </p:txBody>
+      </p:sp>
+    </p:spTree>
+    <p:extLst>
+      <p:ext uri="{BB962C8B-B14F-4D97-AF65-F5344CB8AC3E}">
+        <p14:creationId xmlns:p14="http://schemas.microsoft.com/office/powerpoint/2010/main" val="1688344871"/>
+      </p:ext>
+    </p:extLst>
+  </p:cSld>
+  <p:clrMapOvr>
+    <a:masterClrMapping/>
+  </p:clrMapOvr>
+</p:sld>
+</file>
+
+<file path=ppt/slides/slide9.xml><?xml version="1.0" encoding="utf-8"?>
+<p:sld xmlns:a="http://schemas.openxmlformats.org/drawingml/2006/main" xmlns:r="http://schemas.openxmlformats.org/officeDocument/2006/relationships" xmlns:p="http://schemas.openxmlformats.org/presentationml/2006/main">
+  <p:cSld>
+    <p:spTree>
+      <p:nvGrpSpPr>
+        <p:cNvPr id="1" name=""/>
+        <p:cNvGrpSpPr/>
+        <p:nvPr/>
+      </p:nvGrpSpPr>
+      <p:grpSpPr>
+        <a:xfrm>
+          <a:off x="0" y="0"/>
+          <a:ext cx="0" cy="0"/>
+          <a:chOff x="0" y="0"/>
+          <a:chExt cx="0" cy="0"/>
+        </a:xfrm>
+      </p:grpSpPr>
       <p:sp>
         <p:nvSpPr>
           <p:cNvPr id="2" name="Title 1">

--- a/Dokumentation/erstellte_Abbildungen.pptx
+++ b/Dokumentation/erstellte_Abbildungen.pptx
@@ -5903,7 +5903,7 @@
         </p:blipFill>
         <p:spPr>
           <a:xfrm>
-            <a:off x="3577477" y="3642689"/>
+            <a:off x="3577477" y="3564858"/>
             <a:ext cx="1589987" cy="1494894"/>
           </a:xfrm>
           <a:prstGeom prst="rect">
@@ -6006,8 +6006,8 @@
         </p:nvCxnSpPr>
         <p:spPr>
           <a:xfrm rot="10800000" flipV="1">
-            <a:off x="4372471" y="2874091"/>
-            <a:ext cx="230948" cy="768597"/>
+            <a:off x="4372471" y="2874092"/>
+            <a:ext cx="230948" cy="690766"/>
           </a:xfrm>
           <a:prstGeom prst="bentConnector2">
             <a:avLst/>
@@ -6091,7 +6091,7 @@
         </p:nvSpPr>
         <p:spPr>
           <a:xfrm>
-            <a:off x="3731447" y="5238244"/>
+            <a:off x="3731447" y="5132255"/>
             <a:ext cx="1282046" cy="409694"/>
           </a:xfrm>
           <a:prstGeom prst="rect">
@@ -6518,107 +6518,11 @@
         </p:blipFill>
         <p:spPr>
           <a:xfrm>
-            <a:off x="4726086" y="2325094"/>
+            <a:off x="3873680" y="1829000"/>
             <a:ext cx="3466667" cy="3200000"/>
           </a:xfrm>
         </p:spPr>
       </p:pic>
-      <p:sp>
-        <p:nvSpPr>
-          <p:cNvPr id="10" name="Arrow: Curved Up 9">
-            <a:extLst>
-              <a:ext uri="{FF2B5EF4-FFF2-40B4-BE49-F238E27FC236}">
-                <a16:creationId xmlns:a16="http://schemas.microsoft.com/office/drawing/2014/main" id="{BC87E84D-9C83-490F-84B6-71E982629F00}"/>
-              </a:ext>
-            </a:extLst>
-          </p:cNvPr>
-          <p:cNvSpPr/>
-          <p:nvPr/>
-        </p:nvSpPr>
-        <p:spPr>
-          <a:xfrm rot="20256323">
-            <a:off x="6407150" y="4254500"/>
-            <a:ext cx="438150" cy="177800"/>
-          </a:xfrm>
-          <a:prstGeom prst="curvedUpArrow">
-            <a:avLst/>
-          </a:prstGeom>
-        </p:spPr>
-        <p:style>
-          <a:lnRef idx="1">
-            <a:schemeClr val="accent1"/>
-          </a:lnRef>
-          <a:fillRef idx="2">
-            <a:schemeClr val="accent1"/>
-          </a:fillRef>
-          <a:effectRef idx="1">
-            <a:schemeClr val="accent1"/>
-          </a:effectRef>
-          <a:fontRef idx="minor">
-            <a:schemeClr val="dk1"/>
-          </a:fontRef>
-        </p:style>
-        <p:txBody>
-          <a:bodyPr rtlCol="0" anchor="ctr"/>
-          <a:lstStyle/>
-          <a:p>
-            <a:pPr algn="ctr"/>
-            <a:endParaRPr lang="de-DE" dirty="0">
-              <a:solidFill>
-                <a:schemeClr val="tx1"/>
-              </a:solidFill>
-            </a:endParaRPr>
-          </a:p>
-        </p:txBody>
-      </p:sp>
-      <p:sp>
-        <p:nvSpPr>
-          <p:cNvPr id="11" name="Arrow: Curved Up 10">
-            <a:extLst>
-              <a:ext uri="{FF2B5EF4-FFF2-40B4-BE49-F238E27FC236}">
-                <a16:creationId xmlns:a16="http://schemas.microsoft.com/office/drawing/2014/main" id="{2E09DE1A-A634-4FD0-89E3-4C4C6D6DF0E3}"/>
-              </a:ext>
-            </a:extLst>
-          </p:cNvPr>
-          <p:cNvSpPr/>
-          <p:nvPr/>
-        </p:nvSpPr>
-        <p:spPr>
-          <a:xfrm rot="10002965">
-            <a:off x="6240345" y="3581433"/>
-            <a:ext cx="438150" cy="177800"/>
-          </a:xfrm>
-          <a:prstGeom prst="curvedUpArrow">
-            <a:avLst/>
-          </a:prstGeom>
-        </p:spPr>
-        <p:style>
-          <a:lnRef idx="1">
-            <a:schemeClr val="accent1"/>
-          </a:lnRef>
-          <a:fillRef idx="2">
-            <a:schemeClr val="accent1"/>
-          </a:fillRef>
-          <a:effectRef idx="1">
-            <a:schemeClr val="accent1"/>
-          </a:effectRef>
-          <a:fontRef idx="minor">
-            <a:schemeClr val="dk1"/>
-          </a:fontRef>
-        </p:style>
-        <p:txBody>
-          <a:bodyPr rtlCol="0" anchor="ctr"/>
-          <a:lstStyle/>
-          <a:p>
-            <a:pPr algn="ctr"/>
-            <a:endParaRPr lang="de-DE">
-              <a:solidFill>
-                <a:schemeClr val="tx1"/>
-              </a:solidFill>
-            </a:endParaRPr>
-          </a:p>
-        </p:txBody>
-      </p:sp>
     </p:spTree>
     <p:extLst>
       <p:ext uri="{BB962C8B-B14F-4D97-AF65-F5344CB8AC3E}">
@@ -6732,7 +6636,7 @@
         </p:nvSpPr>
         <p:spPr>
           <a:xfrm>
-            <a:off x="3327662" y="2187019"/>
+            <a:off x="1165648" y="2163771"/>
             <a:ext cx="1498862" cy="923330"/>
           </a:xfrm>
           <a:prstGeom prst="rect">
@@ -6779,7 +6683,7 @@
         </p:nvSpPr>
         <p:spPr>
           <a:xfrm>
-            <a:off x="1212194" y="2187019"/>
+            <a:off x="3428452" y="2163771"/>
             <a:ext cx="1321196" cy="1200329"/>
           </a:xfrm>
           <a:prstGeom prst="rect">
@@ -6814,6 +6718,74 @@
             <a:r>
               <a:rPr lang="de-DE" dirty="0"/>
               <a:t>…</a:t>
+            </a:r>
+          </a:p>
+        </p:txBody>
+      </p:sp>
+      <p:sp>
+        <p:nvSpPr>
+          <p:cNvPr id="6" name="Rectangle 5">
+            <a:extLst>
+              <a:ext uri="{FF2B5EF4-FFF2-40B4-BE49-F238E27FC236}">
+                <a16:creationId xmlns:a16="http://schemas.microsoft.com/office/drawing/2014/main" id="{C55A6323-F5D5-4DA0-809F-0943222A78E0}"/>
+              </a:ext>
+            </a:extLst>
+          </p:cNvPr>
+          <p:cNvSpPr/>
+          <p:nvPr/>
+        </p:nvSpPr>
+        <p:spPr>
+          <a:xfrm>
+            <a:off x="3625077" y="3320476"/>
+            <a:ext cx="927946" cy="369332"/>
+          </a:xfrm>
+          <a:prstGeom prst="rect">
+            <a:avLst/>
+          </a:prstGeom>
+        </p:spPr>
+        <p:txBody>
+          <a:bodyPr wrap="none">
+            <a:spAutoFit/>
+          </a:bodyPr>
+          <a:lstStyle/>
+          <a:p>
+            <a:r>
+              <a:rPr lang="de-DE" i="1" dirty="0"/>
+              <a:t>y-Werte</a:t>
+            </a:r>
+          </a:p>
+        </p:txBody>
+      </p:sp>
+      <p:sp>
+        <p:nvSpPr>
+          <p:cNvPr id="9" name="Rectangle 8">
+            <a:extLst>
+              <a:ext uri="{FF2B5EF4-FFF2-40B4-BE49-F238E27FC236}">
+                <a16:creationId xmlns:a16="http://schemas.microsoft.com/office/drawing/2014/main" id="{4350A6CF-FD51-4B04-BBA7-A1582F91B362}"/>
+              </a:ext>
+            </a:extLst>
+          </p:cNvPr>
+          <p:cNvSpPr/>
+          <p:nvPr/>
+        </p:nvSpPr>
+        <p:spPr>
+          <a:xfrm>
+            <a:off x="1452709" y="3333225"/>
+            <a:ext cx="924740" cy="369332"/>
+          </a:xfrm>
+          <a:prstGeom prst="rect">
+            <a:avLst/>
+          </a:prstGeom>
+        </p:spPr>
+        <p:txBody>
+          <a:bodyPr wrap="none">
+            <a:spAutoFit/>
+          </a:bodyPr>
+          <a:lstStyle/>
+          <a:p>
+            <a:r>
+              <a:rPr lang="de-DE" i="1" dirty="0"/>
+              <a:t>x-Werte</a:t>
             </a:r>
           </a:p>
         </p:txBody>

--- a/Dokumentation/erstellte_Abbildungen.pptx
+++ b/Dokumentation/erstellte_Abbildungen.pptx
@@ -14,6 +14,7 @@
     <p:sldId id="264" r:id="rId8"/>
     <p:sldId id="265" r:id="rId9"/>
     <p:sldId id="263" r:id="rId10"/>
+    <p:sldId id="266" r:id="rId11"/>
   </p:sldIdLst>
   <p:sldSz cx="12192000" cy="6858000"/>
   <p:notesSz cx="6858000" cy="9144000"/>
@@ -4483,6 +4484,256 @@
 </p:sld>
 </file>
 
+<file path=ppt/slides/slide10.xml><?xml version="1.0" encoding="utf-8"?>
+<p:sld xmlns:a="http://schemas.openxmlformats.org/drawingml/2006/main" xmlns:r="http://schemas.openxmlformats.org/officeDocument/2006/relationships" xmlns:p="http://schemas.openxmlformats.org/presentationml/2006/main">
+  <p:cSld>
+    <p:spTree>
+      <p:nvGrpSpPr>
+        <p:cNvPr id="1" name=""/>
+        <p:cNvGrpSpPr/>
+        <p:nvPr/>
+      </p:nvGrpSpPr>
+      <p:grpSpPr>
+        <a:xfrm>
+          <a:off x="0" y="0"/>
+          <a:ext cx="0" cy="0"/>
+          <a:chOff x="0" y="0"/>
+          <a:chExt cx="0" cy="0"/>
+        </a:xfrm>
+      </p:grpSpPr>
+      <p:sp>
+        <p:nvSpPr>
+          <p:cNvPr id="2" name="Title 1">
+            <a:extLst>
+              <a:ext uri="{FF2B5EF4-FFF2-40B4-BE49-F238E27FC236}">
+                <a16:creationId xmlns:a16="http://schemas.microsoft.com/office/drawing/2014/main" id="{C3B4437A-D27E-4157-8905-FB785E75ACB1}"/>
+              </a:ext>
+            </a:extLst>
+          </p:cNvPr>
+          <p:cNvSpPr>
+            <a:spLocks noGrp="1"/>
+          </p:cNvSpPr>
+          <p:nvPr>
+            <p:ph type="title"/>
+          </p:nvPr>
+        </p:nvSpPr>
+        <p:spPr/>
+        <p:txBody>
+          <a:bodyPr/>
+          <a:lstStyle/>
+          <a:p>
+            <a:endParaRPr lang="de-DE"/>
+          </a:p>
+        </p:txBody>
+      </p:sp>
+      <p:pic>
+        <p:nvPicPr>
+          <p:cNvPr id="4" name="Picture 3">
+            <a:extLst>
+              <a:ext uri="{FF2B5EF4-FFF2-40B4-BE49-F238E27FC236}">
+                <a16:creationId xmlns:a16="http://schemas.microsoft.com/office/drawing/2014/main" id="{997B7FE8-BEFD-48D0-8678-1A249E10804B}"/>
+              </a:ext>
+            </a:extLst>
+          </p:cNvPr>
+          <p:cNvPicPr>
+            <a:picLocks noChangeAspect="1"/>
+          </p:cNvPicPr>
+          <p:nvPr/>
+        </p:nvPicPr>
+        <p:blipFill rotWithShape="1">
+          <a:blip r:embed="rId2"/>
+          <a:srcRect l="50363" t="13245"/>
+          <a:stretch/>
+        </p:blipFill>
+        <p:spPr>
+          <a:xfrm>
+            <a:off x="5038987" y="4163909"/>
+            <a:ext cx="2293034" cy="1974952"/>
+          </a:xfrm>
+          <a:prstGeom prst="rect">
+            <a:avLst/>
+          </a:prstGeom>
+        </p:spPr>
+      </p:pic>
+      <p:pic>
+        <p:nvPicPr>
+          <p:cNvPr id="5" name="Picture 4">
+            <a:extLst>
+              <a:ext uri="{FF2B5EF4-FFF2-40B4-BE49-F238E27FC236}">
+                <a16:creationId xmlns:a16="http://schemas.microsoft.com/office/drawing/2014/main" id="{6BBD250D-A7DD-4E32-A7EB-F9F7E0839FE8}"/>
+              </a:ext>
+            </a:extLst>
+          </p:cNvPr>
+          <p:cNvPicPr>
+            <a:picLocks noChangeAspect="1"/>
+          </p:cNvPicPr>
+          <p:nvPr/>
+        </p:nvPicPr>
+        <p:blipFill rotWithShape="1">
+          <a:blip r:embed="rId3"/>
+          <a:srcRect t="13245" r="49517"/>
+          <a:stretch/>
+        </p:blipFill>
+        <p:spPr>
+          <a:xfrm>
+            <a:off x="336247" y="4195760"/>
+            <a:ext cx="2332139" cy="1974952"/>
+          </a:xfrm>
+          <a:prstGeom prst="rect">
+            <a:avLst/>
+          </a:prstGeom>
+        </p:spPr>
+      </p:pic>
+      <p:pic>
+        <p:nvPicPr>
+          <p:cNvPr id="6" name="Picture 5">
+            <a:extLst>
+              <a:ext uri="{FF2B5EF4-FFF2-40B4-BE49-F238E27FC236}">
+                <a16:creationId xmlns:a16="http://schemas.microsoft.com/office/drawing/2014/main" id="{C9588866-BE23-445F-8B62-4F303EA72B1D}"/>
+              </a:ext>
+            </a:extLst>
+          </p:cNvPr>
+          <p:cNvPicPr>
+            <a:picLocks noChangeAspect="1"/>
+          </p:cNvPicPr>
+          <p:nvPr/>
+        </p:nvPicPr>
+        <p:blipFill rotWithShape="1">
+          <a:blip r:embed="rId4"/>
+          <a:srcRect l="50363" t="14645"/>
+          <a:stretch/>
+        </p:blipFill>
+        <p:spPr>
+          <a:xfrm>
+            <a:off x="2694242" y="4195760"/>
+            <a:ext cx="2293034" cy="1943101"/>
+          </a:xfrm>
+          <a:prstGeom prst="rect">
+            <a:avLst/>
+          </a:prstGeom>
+        </p:spPr>
+      </p:pic>
+      <p:sp>
+        <p:nvSpPr>
+          <p:cNvPr id="7" name="TextBox 6">
+            <a:extLst>
+              <a:ext uri="{FF2B5EF4-FFF2-40B4-BE49-F238E27FC236}">
+                <a16:creationId xmlns:a16="http://schemas.microsoft.com/office/drawing/2014/main" id="{0EA6B95D-9D1D-4B93-A64C-503F0465DBC2}"/>
+              </a:ext>
+            </a:extLst>
+          </p:cNvPr>
+          <p:cNvSpPr txBox="1"/>
+          <p:nvPr/>
+        </p:nvSpPr>
+        <p:spPr>
+          <a:xfrm>
+            <a:off x="1943100" y="5893713"/>
+            <a:ext cx="853440" cy="276999"/>
+          </a:xfrm>
+          <a:prstGeom prst="rect">
+            <a:avLst/>
+          </a:prstGeom>
+          <a:noFill/>
+        </p:spPr>
+        <p:txBody>
+          <a:bodyPr wrap="square" rtlCol="0">
+            <a:spAutoFit/>
+          </a:bodyPr>
+          <a:lstStyle/>
+          <a:p>
+            <a:r>
+              <a:rPr lang="en-GB" sz="1200" b="1" dirty="0"/>
+              <a:t>n=25</a:t>
+            </a:r>
+            <a:endParaRPr lang="de-DE" sz="1200" b="1" dirty="0"/>
+          </a:p>
+        </p:txBody>
+      </p:sp>
+      <p:sp>
+        <p:nvSpPr>
+          <p:cNvPr id="8" name="TextBox 7">
+            <a:extLst>
+              <a:ext uri="{FF2B5EF4-FFF2-40B4-BE49-F238E27FC236}">
+                <a16:creationId xmlns:a16="http://schemas.microsoft.com/office/drawing/2014/main" id="{06D1E919-61C8-4B17-B93E-3FC5FD6DD689}"/>
+              </a:ext>
+            </a:extLst>
+          </p:cNvPr>
+          <p:cNvSpPr txBox="1"/>
+          <p:nvPr/>
+        </p:nvSpPr>
+        <p:spPr>
+          <a:xfrm>
+            <a:off x="4403393" y="5897165"/>
+            <a:ext cx="853440" cy="276999"/>
+          </a:xfrm>
+          <a:prstGeom prst="rect">
+            <a:avLst/>
+          </a:prstGeom>
+          <a:noFill/>
+        </p:spPr>
+        <p:txBody>
+          <a:bodyPr wrap="square" rtlCol="0">
+            <a:spAutoFit/>
+          </a:bodyPr>
+          <a:lstStyle/>
+          <a:p>
+            <a:r>
+              <a:rPr lang="en-GB" sz="1200" b="1" dirty="0"/>
+              <a:t>n=70</a:t>
+            </a:r>
+            <a:endParaRPr lang="de-DE" sz="1200" b="1" dirty="0"/>
+          </a:p>
+        </p:txBody>
+      </p:sp>
+      <p:sp>
+        <p:nvSpPr>
+          <p:cNvPr id="9" name="TextBox 8">
+            <a:extLst>
+              <a:ext uri="{FF2B5EF4-FFF2-40B4-BE49-F238E27FC236}">
+                <a16:creationId xmlns:a16="http://schemas.microsoft.com/office/drawing/2014/main" id="{0D6030EF-A83F-4D6A-9340-B9A3EFACBE54}"/>
+              </a:ext>
+            </a:extLst>
+          </p:cNvPr>
+          <p:cNvSpPr txBox="1"/>
+          <p:nvPr/>
+        </p:nvSpPr>
+        <p:spPr>
+          <a:xfrm>
+            <a:off x="6863686" y="5861862"/>
+            <a:ext cx="853440" cy="276999"/>
+          </a:xfrm>
+          <a:prstGeom prst="rect">
+            <a:avLst/>
+          </a:prstGeom>
+          <a:noFill/>
+        </p:spPr>
+        <p:txBody>
+          <a:bodyPr wrap="square" rtlCol="0">
+            <a:spAutoFit/>
+          </a:bodyPr>
+          <a:lstStyle/>
+          <a:p>
+            <a:r>
+              <a:rPr lang="en-GB" sz="1200" b="1" dirty="0"/>
+              <a:t>n=300</a:t>
+            </a:r>
+            <a:endParaRPr lang="de-DE" sz="1200" b="1" dirty="0"/>
+          </a:p>
+        </p:txBody>
+      </p:sp>
+    </p:spTree>
+    <p:extLst>
+      <p:ext uri="{BB962C8B-B14F-4D97-AF65-F5344CB8AC3E}">
+        <p14:creationId xmlns:p14="http://schemas.microsoft.com/office/powerpoint/2010/main" val="385430941"/>
+      </p:ext>
+    </p:extLst>
+  </p:cSld>
+  <p:clrMapOvr>
+    <a:masterClrMapping/>
+  </p:clrMapOvr>
+</p:sld>
+</file>
+
 <file path=ppt/slides/slide2.xml><?xml version="1.0" encoding="utf-8"?>
 <p:sld xmlns:a="http://schemas.openxmlformats.org/drawingml/2006/main" xmlns:r="http://schemas.openxmlformats.org/officeDocument/2006/relationships" xmlns:p="http://schemas.openxmlformats.org/presentationml/2006/main">
   <p:cSld>
